--- a/June_Batch/2CSS/July-2022/04-07-22/CSS-BoxModal-Background-font-font-family-navigation-list.pptx
+++ b/June_Batch/2CSS/July-2022/04-07-22/CSS-BoxModal-Background-font-font-family-navigation-list.pptx
@@ -12,16 +12,6 @@
     <p:sldId id="383" r:id="rId6"/>
     <p:sldId id="378" r:id="rId7"/>
     <p:sldId id="377" r:id="rId8"/>
-    <p:sldId id="381" r:id="rId9"/>
-    <p:sldId id="421" r:id="rId10"/>
-    <p:sldId id="422" r:id="rId11"/>
-    <p:sldId id="423" r:id="rId12"/>
-    <p:sldId id="424" r:id="rId13"/>
-    <p:sldId id="425" r:id="rId14"/>
-    <p:sldId id="426" r:id="rId15"/>
-    <p:sldId id="382" r:id="rId16"/>
-    <p:sldId id="384" r:id="rId17"/>
-    <p:sldId id="386" r:id="rId18"/>
   </p:sldIdLst>
   <p:sldSz cx="12192000" cy="6858000"/>
   <p:notesSz cx="6858000" cy="9144000"/>
@@ -122,7 +112,7 @@
   </p:defaultTextStyle>
   <p:extLst>
     <p:ext uri="{EFAFB233-063F-42B5-8137-9DF3F51BA10A}">
-      <p15:sldGuideLst xmlns:p15="http://schemas.microsoft.com/office/powerpoint/2012/main" xmlns="">
+      <p15:sldGuideLst xmlns="" xmlns:p15="http://schemas.microsoft.com/office/powerpoint/2012/main">
         <p15:guide id="1" orient="horz" pos="2160">
           <p15:clr>
             <a:srgbClr val="A4A3A4"/>
@@ -271,7 +261,7 @@
             <a:fld id="{7FCC5AE5-E495-4913-B643-A95A6AFABB00}" type="datetimeFigureOut">
               <a:rPr kumimoji="1" lang="ja-JP" altLang="en-US" smtClean="0"/>
               <a:pPr/>
-              <a:t>2022/7/4</a:t>
+              <a:t>2022/7/5</a:t>
             </a:fld>
             <a:endParaRPr kumimoji="1" lang="ja-JP" altLang="en-US"/>
           </a:p>
@@ -323,7 +313,7 @@
     </p:spTree>
     <p:extLst>
       <p:ext uri="{BB962C8B-B14F-4D97-AF65-F5344CB8AC3E}">
-        <p14:creationId xmlns:p14="http://schemas.microsoft.com/office/powerpoint/2010/main" xmlns="" val="3096064434"/>
+        <p14:creationId xmlns="" xmlns:p14="http://schemas.microsoft.com/office/powerpoint/2010/main" val="3096064434"/>
       </p:ext>
     </p:extLst>
   </p:cSld>
@@ -443,7 +433,7 @@
             <a:fld id="{7FCC5AE5-E495-4913-B643-A95A6AFABB00}" type="datetimeFigureOut">
               <a:rPr kumimoji="1" lang="ja-JP" altLang="en-US" smtClean="0"/>
               <a:pPr/>
-              <a:t>2022/7/4</a:t>
+              <a:t>2022/7/5</a:t>
             </a:fld>
             <a:endParaRPr kumimoji="1" lang="ja-JP" altLang="en-US"/>
           </a:p>
@@ -495,7 +485,7 @@
     </p:spTree>
     <p:extLst>
       <p:ext uri="{BB962C8B-B14F-4D97-AF65-F5344CB8AC3E}">
-        <p14:creationId xmlns:p14="http://schemas.microsoft.com/office/powerpoint/2010/main" xmlns="" val="71407721"/>
+        <p14:creationId xmlns="" xmlns:p14="http://schemas.microsoft.com/office/powerpoint/2010/main" val="71407721"/>
       </p:ext>
     </p:extLst>
   </p:cSld>
@@ -625,7 +615,7 @@
             <a:fld id="{7FCC5AE5-E495-4913-B643-A95A6AFABB00}" type="datetimeFigureOut">
               <a:rPr kumimoji="1" lang="ja-JP" altLang="en-US" smtClean="0"/>
               <a:pPr/>
-              <a:t>2022/7/4</a:t>
+              <a:t>2022/7/5</a:t>
             </a:fld>
             <a:endParaRPr kumimoji="1" lang="ja-JP" altLang="en-US"/>
           </a:p>
@@ -677,7 +667,7 @@
     </p:spTree>
     <p:extLst>
       <p:ext uri="{BB962C8B-B14F-4D97-AF65-F5344CB8AC3E}">
-        <p14:creationId xmlns:p14="http://schemas.microsoft.com/office/powerpoint/2010/main" xmlns="" val="3852493858"/>
+        <p14:creationId xmlns="" xmlns:p14="http://schemas.microsoft.com/office/powerpoint/2010/main" val="3852493858"/>
       </p:ext>
     </p:extLst>
   </p:cSld>
@@ -797,7 +787,7 @@
             <a:fld id="{7FCC5AE5-E495-4913-B643-A95A6AFABB00}" type="datetimeFigureOut">
               <a:rPr kumimoji="1" lang="ja-JP" altLang="en-US" smtClean="0"/>
               <a:pPr/>
-              <a:t>2022/7/4</a:t>
+              <a:t>2022/7/5</a:t>
             </a:fld>
             <a:endParaRPr kumimoji="1" lang="ja-JP" altLang="en-US"/>
           </a:p>
@@ -849,7 +839,7 @@
     </p:spTree>
     <p:extLst>
       <p:ext uri="{BB962C8B-B14F-4D97-AF65-F5344CB8AC3E}">
-        <p14:creationId xmlns:p14="http://schemas.microsoft.com/office/powerpoint/2010/main" xmlns="" val="282795843"/>
+        <p14:creationId xmlns="" xmlns:p14="http://schemas.microsoft.com/office/powerpoint/2010/main" val="282795843"/>
       </p:ext>
     </p:extLst>
   </p:cSld>
@@ -1045,7 +1035,7 @@
             <a:fld id="{7FCC5AE5-E495-4913-B643-A95A6AFABB00}" type="datetimeFigureOut">
               <a:rPr kumimoji="1" lang="ja-JP" altLang="en-US" smtClean="0"/>
               <a:pPr/>
-              <a:t>2022/7/4</a:t>
+              <a:t>2022/7/5</a:t>
             </a:fld>
             <a:endParaRPr kumimoji="1" lang="ja-JP" altLang="en-US"/>
           </a:p>
@@ -1097,7 +1087,7 @@
     </p:spTree>
     <p:extLst>
       <p:ext uri="{BB962C8B-B14F-4D97-AF65-F5344CB8AC3E}">
-        <p14:creationId xmlns:p14="http://schemas.microsoft.com/office/powerpoint/2010/main" xmlns="" val="1315004973"/>
+        <p14:creationId xmlns="" xmlns:p14="http://schemas.microsoft.com/office/powerpoint/2010/main" val="1315004973"/>
       </p:ext>
     </p:extLst>
   </p:cSld>
@@ -1279,7 +1269,7 @@
             <a:fld id="{7FCC5AE5-E495-4913-B643-A95A6AFABB00}" type="datetimeFigureOut">
               <a:rPr kumimoji="1" lang="ja-JP" altLang="en-US" smtClean="0"/>
               <a:pPr/>
-              <a:t>2022/7/4</a:t>
+              <a:t>2022/7/5</a:t>
             </a:fld>
             <a:endParaRPr kumimoji="1" lang="ja-JP" altLang="en-US"/>
           </a:p>
@@ -1331,7 +1321,7 @@
     </p:spTree>
     <p:extLst>
       <p:ext uri="{BB962C8B-B14F-4D97-AF65-F5344CB8AC3E}">
-        <p14:creationId xmlns:p14="http://schemas.microsoft.com/office/powerpoint/2010/main" xmlns="" val="3048296005"/>
+        <p14:creationId xmlns="" xmlns:p14="http://schemas.microsoft.com/office/powerpoint/2010/main" val="3048296005"/>
       </p:ext>
     </p:extLst>
   </p:cSld>
@@ -1648,7 +1638,7 @@
             <a:fld id="{7FCC5AE5-E495-4913-B643-A95A6AFABB00}" type="datetimeFigureOut">
               <a:rPr kumimoji="1" lang="ja-JP" altLang="en-US" smtClean="0"/>
               <a:pPr/>
-              <a:t>2022/7/4</a:t>
+              <a:t>2022/7/5</a:t>
             </a:fld>
             <a:endParaRPr kumimoji="1" lang="ja-JP" altLang="en-US"/>
           </a:p>
@@ -1700,7 +1690,7 @@
     </p:spTree>
     <p:extLst>
       <p:ext uri="{BB962C8B-B14F-4D97-AF65-F5344CB8AC3E}">
-        <p14:creationId xmlns:p14="http://schemas.microsoft.com/office/powerpoint/2010/main" xmlns="" val="890299385"/>
+        <p14:creationId xmlns="" xmlns:p14="http://schemas.microsoft.com/office/powerpoint/2010/main" val="890299385"/>
       </p:ext>
     </p:extLst>
   </p:cSld>
@@ -1768,7 +1758,7 @@
             <a:fld id="{7FCC5AE5-E495-4913-B643-A95A6AFABB00}" type="datetimeFigureOut">
               <a:rPr kumimoji="1" lang="ja-JP" altLang="en-US" smtClean="0"/>
               <a:pPr/>
-              <a:t>2022/7/4</a:t>
+              <a:t>2022/7/5</a:t>
             </a:fld>
             <a:endParaRPr kumimoji="1" lang="ja-JP" altLang="en-US"/>
           </a:p>
@@ -1820,7 +1810,7 @@
     </p:spTree>
     <p:extLst>
       <p:ext uri="{BB962C8B-B14F-4D97-AF65-F5344CB8AC3E}">
-        <p14:creationId xmlns:p14="http://schemas.microsoft.com/office/powerpoint/2010/main" xmlns="" val="2049573599"/>
+        <p14:creationId xmlns="" xmlns:p14="http://schemas.microsoft.com/office/powerpoint/2010/main" val="2049573599"/>
       </p:ext>
     </p:extLst>
   </p:cSld>
@@ -1865,7 +1855,7 @@
             <a:fld id="{7FCC5AE5-E495-4913-B643-A95A6AFABB00}" type="datetimeFigureOut">
               <a:rPr kumimoji="1" lang="ja-JP" altLang="en-US" smtClean="0"/>
               <a:pPr/>
-              <a:t>2022/7/4</a:t>
+              <a:t>2022/7/5</a:t>
             </a:fld>
             <a:endParaRPr kumimoji="1" lang="ja-JP" altLang="en-US"/>
           </a:p>
@@ -1917,7 +1907,7 @@
     </p:spTree>
     <p:extLst>
       <p:ext uri="{BB962C8B-B14F-4D97-AF65-F5344CB8AC3E}">
-        <p14:creationId xmlns:p14="http://schemas.microsoft.com/office/powerpoint/2010/main" xmlns="" val="1896888541"/>
+        <p14:creationId xmlns="" xmlns:p14="http://schemas.microsoft.com/office/powerpoint/2010/main" val="1896888541"/>
       </p:ext>
     </p:extLst>
   </p:cSld>
@@ -2144,7 +2134,7 @@
             <a:fld id="{7FCC5AE5-E495-4913-B643-A95A6AFABB00}" type="datetimeFigureOut">
               <a:rPr kumimoji="1" lang="ja-JP" altLang="en-US" smtClean="0"/>
               <a:pPr/>
-              <a:t>2022/7/4</a:t>
+              <a:t>2022/7/5</a:t>
             </a:fld>
             <a:endParaRPr kumimoji="1" lang="ja-JP" altLang="en-US"/>
           </a:p>
@@ -2196,7 +2186,7 @@
     </p:spTree>
     <p:extLst>
       <p:ext uri="{BB962C8B-B14F-4D97-AF65-F5344CB8AC3E}">
-        <p14:creationId xmlns:p14="http://schemas.microsoft.com/office/powerpoint/2010/main" xmlns="" val="1581260034"/>
+        <p14:creationId xmlns="" xmlns:p14="http://schemas.microsoft.com/office/powerpoint/2010/main" val="1581260034"/>
       </p:ext>
     </p:extLst>
   </p:cSld>
@@ -2403,7 +2393,7 @@
             <a:fld id="{7FCC5AE5-E495-4913-B643-A95A6AFABB00}" type="datetimeFigureOut">
               <a:rPr kumimoji="1" lang="ja-JP" altLang="en-US" smtClean="0"/>
               <a:pPr/>
-              <a:t>2022/7/4</a:t>
+              <a:t>2022/7/5</a:t>
             </a:fld>
             <a:endParaRPr kumimoji="1" lang="ja-JP" altLang="en-US"/>
           </a:p>
@@ -2455,7 +2445,7 @@
     </p:spTree>
     <p:extLst>
       <p:ext uri="{BB962C8B-B14F-4D97-AF65-F5344CB8AC3E}">
-        <p14:creationId xmlns:p14="http://schemas.microsoft.com/office/powerpoint/2010/main" xmlns="" val="2397771766"/>
+        <p14:creationId xmlns="" xmlns:p14="http://schemas.microsoft.com/office/powerpoint/2010/main" val="2397771766"/>
       </p:ext>
     </p:extLst>
   </p:cSld>
@@ -2618,7 +2608,7 @@
             <a:fld id="{7FCC5AE5-E495-4913-B643-A95A6AFABB00}" type="datetimeFigureOut">
               <a:rPr kumimoji="1" lang="ja-JP" altLang="en-US" smtClean="0"/>
               <a:pPr/>
-              <a:t>2022/7/4</a:t>
+              <a:t>2022/7/5</a:t>
             </a:fld>
             <a:endParaRPr kumimoji="1" lang="ja-JP" altLang="en-US"/>
           </a:p>
@@ -2708,7 +2698,7 @@
           <p:cNvPr id="7" name="TextBox 6">
             <a:extLst>
               <a:ext uri="{FF2B5EF4-FFF2-40B4-BE49-F238E27FC236}">
-                <a16:creationId xmlns:a16="http://schemas.microsoft.com/office/drawing/2014/main" xmlns="" id="{847969B0-9AAB-4EBF-AF99-17A470D83F03}"/>
+                <a16:creationId xmlns="" xmlns:a16="http://schemas.microsoft.com/office/drawing/2014/main" id="{847969B0-9AAB-4EBF-AF99-17A470D83F03}"/>
               </a:ext>
             </a:extLst>
           </p:cNvPr>
@@ -2755,7 +2745,7 @@
     </p:spTree>
     <p:extLst>
       <p:ext uri="{BB962C8B-B14F-4D97-AF65-F5344CB8AC3E}">
-        <p14:creationId xmlns:p14="http://schemas.microsoft.com/office/powerpoint/2010/main" xmlns="" val="492407304"/>
+        <p14:creationId xmlns="" xmlns:p14="http://schemas.microsoft.com/office/powerpoint/2010/main" val="492407304"/>
       </p:ext>
     </p:extLst>
   </p:cSld>
@@ -3163,3372 +3153,7 @@
     </p:spTree>
     <p:extLst>
       <p:ext uri="{BB962C8B-B14F-4D97-AF65-F5344CB8AC3E}">
-        <p14:creationId xmlns:p14="http://schemas.microsoft.com/office/powerpoint/2010/main" xmlns="" val="4062787881"/>
-      </p:ext>
-    </p:extLst>
-  </p:cSld>
-  <p:clrMapOvr>
-    <a:masterClrMapping/>
-  </p:clrMapOvr>
-  <p:timing>
-    <p:tnLst>
-      <p:par>
-        <p:cTn id="1" dur="indefinite" restart="never" nodeType="tmRoot"/>
-      </p:par>
-    </p:tnLst>
-  </p:timing>
-</p:sld>
-</file>
-
-<file path=ppt/slides/slide10.xml><?xml version="1.0" encoding="utf-8"?>
-<p:sld xmlns:a="http://schemas.openxmlformats.org/drawingml/2006/main" xmlns:r="http://schemas.openxmlformats.org/officeDocument/2006/relationships" xmlns:p="http://schemas.openxmlformats.org/presentationml/2006/main">
-  <p:cSld>
-    <p:spTree>
-      <p:nvGrpSpPr>
-        <p:cNvPr id="1" name=""/>
-        <p:cNvGrpSpPr/>
-        <p:nvPr/>
-      </p:nvGrpSpPr>
-      <p:grpSpPr>
-        <a:xfrm>
-          <a:off x="0" y="0"/>
-          <a:ext cx="0" cy="0"/>
-          <a:chOff x="0" y="0"/>
-          <a:chExt cx="0" cy="0"/>
-        </a:xfrm>
-      </p:grpSpPr>
-      <p:sp>
-        <p:nvSpPr>
-          <p:cNvPr id="2" name="Title 1"/>
-          <p:cNvSpPr>
-            <a:spLocks noGrp="1"/>
-          </p:cNvSpPr>
-          <p:nvPr>
-            <p:ph type="title"/>
-          </p:nvPr>
-        </p:nvSpPr>
-        <p:spPr/>
-        <p:txBody>
-          <a:bodyPr/>
-          <a:lstStyle/>
-          <a:p>
-            <a:r>
-              <a:rPr lang="en-US" dirty="0" smtClean="0"/>
-              <a:t>Question</a:t>
-            </a:r>
-            <a:endParaRPr lang="en-US" dirty="0"/>
-          </a:p>
-        </p:txBody>
-      </p:sp>
-      <p:sp>
-        <p:nvSpPr>
-          <p:cNvPr id="4" name="Content Placeholder 3"/>
-          <p:cNvSpPr>
-            <a:spLocks noGrp="1"/>
-          </p:cNvSpPr>
-          <p:nvPr>
-            <p:ph idx="1"/>
-          </p:nvPr>
-        </p:nvSpPr>
-        <p:spPr/>
-        <p:txBody>
-          <a:bodyPr/>
-          <a:lstStyle/>
-          <a:p>
-            <a:endParaRPr lang="en-US"/>
-          </a:p>
-        </p:txBody>
-      </p:sp>
-      <p:pic>
-        <p:nvPicPr>
-          <p:cNvPr id="2050" name="Picture 2"/>
-          <p:cNvPicPr>
-            <a:picLocks noChangeAspect="1" noChangeArrowheads="1"/>
-          </p:cNvPicPr>
-          <p:nvPr/>
-        </p:nvPicPr>
-        <p:blipFill>
-          <a:blip r:embed="rId2"/>
-          <a:srcRect/>
-          <a:stretch>
-            <a:fillRect/>
-          </a:stretch>
-        </p:blipFill>
-        <p:spPr bwMode="auto">
-          <a:xfrm>
-            <a:off x="1057003" y="1899829"/>
-            <a:ext cx="9576164" cy="3939268"/>
-          </a:xfrm>
-          <a:prstGeom prst="rect">
-            <a:avLst/>
-          </a:prstGeom>
-          <a:noFill/>
-          <a:ln w="9525">
-            <a:noFill/>
-            <a:miter lim="800000"/>
-            <a:headEnd/>
-            <a:tailEnd/>
-          </a:ln>
-          <a:effectLst/>
-        </p:spPr>
-      </p:pic>
-    </p:spTree>
-  </p:cSld>
-  <p:clrMapOvr>
-    <a:masterClrMapping/>
-  </p:clrMapOvr>
-</p:sld>
-</file>
-
-<file path=ppt/slides/slide11.xml><?xml version="1.0" encoding="utf-8"?>
-<p:sld xmlns:a="http://schemas.openxmlformats.org/drawingml/2006/main" xmlns:r="http://schemas.openxmlformats.org/officeDocument/2006/relationships" xmlns:p="http://schemas.openxmlformats.org/presentationml/2006/main">
-  <p:cSld>
-    <p:spTree>
-      <p:nvGrpSpPr>
-        <p:cNvPr id="1" name=""/>
-        <p:cNvGrpSpPr/>
-        <p:nvPr/>
-      </p:nvGrpSpPr>
-      <p:grpSpPr>
-        <a:xfrm>
-          <a:off x="0" y="0"/>
-          <a:ext cx="0" cy="0"/>
-          <a:chOff x="0" y="0"/>
-          <a:chExt cx="0" cy="0"/>
-        </a:xfrm>
-      </p:grpSpPr>
-      <p:sp>
-        <p:nvSpPr>
-          <p:cNvPr id="2" name="Title 1"/>
-          <p:cNvSpPr>
-            <a:spLocks noGrp="1"/>
-          </p:cNvSpPr>
-          <p:nvPr>
-            <p:ph type="title"/>
-          </p:nvPr>
-        </p:nvSpPr>
-        <p:spPr/>
-        <p:txBody>
-          <a:bodyPr/>
-          <a:lstStyle/>
-          <a:p>
-            <a:r>
-              <a:rPr lang="en-US" dirty="0" smtClean="0"/>
-              <a:t>Question</a:t>
-            </a:r>
-            <a:endParaRPr lang="en-US" dirty="0"/>
-          </a:p>
-        </p:txBody>
-      </p:sp>
-      <p:sp>
-        <p:nvSpPr>
-          <p:cNvPr id="4" name="Content Placeholder 3"/>
-          <p:cNvSpPr>
-            <a:spLocks noGrp="1"/>
-          </p:cNvSpPr>
-          <p:nvPr>
-            <p:ph idx="1"/>
-          </p:nvPr>
-        </p:nvSpPr>
-        <p:spPr/>
-        <p:txBody>
-          <a:bodyPr/>
-          <a:lstStyle/>
-          <a:p>
-            <a:endParaRPr lang="en-US"/>
-          </a:p>
-        </p:txBody>
-      </p:sp>
-      <p:pic>
-        <p:nvPicPr>
-          <p:cNvPr id="3074" name="Picture 2"/>
-          <p:cNvPicPr>
-            <a:picLocks noChangeAspect="1" noChangeArrowheads="1"/>
-          </p:cNvPicPr>
-          <p:nvPr/>
-        </p:nvPicPr>
-        <p:blipFill>
-          <a:blip r:embed="rId2"/>
-          <a:srcRect/>
-          <a:stretch>
-            <a:fillRect/>
-          </a:stretch>
-        </p:blipFill>
-        <p:spPr bwMode="auto">
-          <a:xfrm>
-            <a:off x="853712" y="1837917"/>
-            <a:ext cx="10550162" cy="3726861"/>
-          </a:xfrm>
-          <a:prstGeom prst="rect">
-            <a:avLst/>
-          </a:prstGeom>
-          <a:noFill/>
-          <a:ln w="9525">
-            <a:noFill/>
-            <a:miter lim="800000"/>
-            <a:headEnd/>
-            <a:tailEnd/>
-          </a:ln>
-          <a:effectLst/>
-        </p:spPr>
-      </p:pic>
-    </p:spTree>
-  </p:cSld>
-  <p:clrMapOvr>
-    <a:masterClrMapping/>
-  </p:clrMapOvr>
-</p:sld>
-</file>
-
-<file path=ppt/slides/slide12.xml><?xml version="1.0" encoding="utf-8"?>
-<p:sld xmlns:a="http://schemas.openxmlformats.org/drawingml/2006/main" xmlns:r="http://schemas.openxmlformats.org/officeDocument/2006/relationships" xmlns:p="http://schemas.openxmlformats.org/presentationml/2006/main">
-  <p:cSld>
-    <p:spTree>
-      <p:nvGrpSpPr>
-        <p:cNvPr id="1" name=""/>
-        <p:cNvGrpSpPr/>
-        <p:nvPr/>
-      </p:nvGrpSpPr>
-      <p:grpSpPr>
-        <a:xfrm>
-          <a:off x="0" y="0"/>
-          <a:ext cx="0" cy="0"/>
-          <a:chOff x="0" y="0"/>
-          <a:chExt cx="0" cy="0"/>
-        </a:xfrm>
-      </p:grpSpPr>
-      <p:sp>
-        <p:nvSpPr>
-          <p:cNvPr id="2" name="Title 1"/>
-          <p:cNvSpPr>
-            <a:spLocks noGrp="1"/>
-          </p:cNvSpPr>
-          <p:nvPr>
-            <p:ph type="title"/>
-          </p:nvPr>
-        </p:nvSpPr>
-        <p:spPr/>
-        <p:txBody>
-          <a:bodyPr/>
-          <a:lstStyle/>
-          <a:p>
-            <a:r>
-              <a:rPr lang="en-US" dirty="0" smtClean="0"/>
-              <a:t>Question</a:t>
-            </a:r>
-            <a:endParaRPr lang="en-US" dirty="0"/>
-          </a:p>
-        </p:txBody>
-      </p:sp>
-      <p:sp>
-        <p:nvSpPr>
-          <p:cNvPr id="4" name="Content Placeholder 3"/>
-          <p:cNvSpPr>
-            <a:spLocks noGrp="1"/>
-          </p:cNvSpPr>
-          <p:nvPr>
-            <p:ph idx="1"/>
-          </p:nvPr>
-        </p:nvSpPr>
-        <p:spPr/>
-        <p:txBody>
-          <a:bodyPr/>
-          <a:lstStyle/>
-          <a:p>
-            <a:endParaRPr lang="en-US"/>
-          </a:p>
-        </p:txBody>
-      </p:sp>
-      <p:pic>
-        <p:nvPicPr>
-          <p:cNvPr id="4098" name="Picture 2"/>
-          <p:cNvPicPr>
-            <a:picLocks noChangeAspect="1" noChangeArrowheads="1"/>
-          </p:cNvPicPr>
-          <p:nvPr/>
-        </p:nvPicPr>
-        <p:blipFill>
-          <a:blip r:embed="rId2"/>
-          <a:srcRect/>
-          <a:stretch>
-            <a:fillRect/>
-          </a:stretch>
-        </p:blipFill>
-        <p:spPr bwMode="auto">
-          <a:xfrm>
-            <a:off x="919299" y="1744301"/>
-            <a:ext cx="10824210" cy="4565059"/>
-          </a:xfrm>
-          <a:prstGeom prst="rect">
-            <a:avLst/>
-          </a:prstGeom>
-          <a:noFill/>
-          <a:ln w="9525">
-            <a:noFill/>
-            <a:miter lim="800000"/>
-            <a:headEnd/>
-            <a:tailEnd/>
-          </a:ln>
-          <a:effectLst/>
-        </p:spPr>
-      </p:pic>
-    </p:spTree>
-  </p:cSld>
-  <p:clrMapOvr>
-    <a:masterClrMapping/>
-  </p:clrMapOvr>
-</p:sld>
-</file>
-
-<file path=ppt/slides/slide13.xml><?xml version="1.0" encoding="utf-8"?>
-<p:sld xmlns:a="http://schemas.openxmlformats.org/drawingml/2006/main" xmlns:r="http://schemas.openxmlformats.org/officeDocument/2006/relationships" xmlns:p="http://schemas.openxmlformats.org/presentationml/2006/main">
-  <p:cSld>
-    <p:spTree>
-      <p:nvGrpSpPr>
-        <p:cNvPr id="1" name=""/>
-        <p:cNvGrpSpPr/>
-        <p:nvPr/>
-      </p:nvGrpSpPr>
-      <p:grpSpPr>
-        <a:xfrm>
-          <a:off x="0" y="0"/>
-          <a:ext cx="0" cy="0"/>
-          <a:chOff x="0" y="0"/>
-          <a:chExt cx="0" cy="0"/>
-        </a:xfrm>
-      </p:grpSpPr>
-      <p:sp>
-        <p:nvSpPr>
-          <p:cNvPr id="2" name="Title 1"/>
-          <p:cNvSpPr>
-            <a:spLocks noGrp="1"/>
-          </p:cNvSpPr>
-          <p:nvPr>
-            <p:ph type="title"/>
-          </p:nvPr>
-        </p:nvSpPr>
-        <p:spPr/>
-        <p:txBody>
-          <a:bodyPr/>
-          <a:lstStyle/>
-          <a:p>
-            <a:r>
-              <a:rPr lang="en-US" dirty="0" smtClean="0"/>
-              <a:t>Question</a:t>
-            </a:r>
-            <a:endParaRPr lang="en-US" dirty="0"/>
-          </a:p>
-        </p:txBody>
-      </p:sp>
-      <p:pic>
-        <p:nvPicPr>
-          <p:cNvPr id="5122" name="Picture 2"/>
-          <p:cNvPicPr>
-            <a:picLocks noGrp="1" noChangeAspect="1" noChangeArrowheads="1"/>
-          </p:cNvPicPr>
-          <p:nvPr>
-            <p:ph idx="1"/>
-          </p:nvPr>
-        </p:nvPicPr>
-        <p:blipFill>
-          <a:blip r:embed="rId2"/>
-          <a:srcRect/>
-          <a:stretch>
-            <a:fillRect/>
-          </a:stretch>
-        </p:blipFill>
-        <p:spPr bwMode="auto">
-          <a:xfrm>
-            <a:off x="555851" y="1707402"/>
-            <a:ext cx="10456138" cy="3230358"/>
-          </a:xfrm>
-          <a:prstGeom prst="rect">
-            <a:avLst/>
-          </a:prstGeom>
-          <a:noFill/>
-          <a:ln w="9525">
-            <a:noFill/>
-            <a:miter lim="800000"/>
-            <a:headEnd/>
-            <a:tailEnd/>
-          </a:ln>
-          <a:effectLst/>
-        </p:spPr>
-      </p:pic>
-    </p:spTree>
-  </p:cSld>
-  <p:clrMapOvr>
-    <a:masterClrMapping/>
-  </p:clrMapOvr>
-</p:sld>
-</file>
-
-<file path=ppt/slides/slide14.xml><?xml version="1.0" encoding="utf-8"?>
-<p:sld xmlns:a="http://schemas.openxmlformats.org/drawingml/2006/main" xmlns:r="http://schemas.openxmlformats.org/officeDocument/2006/relationships" xmlns:p="http://schemas.openxmlformats.org/presentationml/2006/main">
-  <p:cSld>
-    <p:spTree>
-      <p:nvGrpSpPr>
-        <p:cNvPr id="1" name=""/>
-        <p:cNvGrpSpPr/>
-        <p:nvPr/>
-      </p:nvGrpSpPr>
-      <p:grpSpPr>
-        <a:xfrm>
-          <a:off x="0" y="0"/>
-          <a:ext cx="0" cy="0"/>
-          <a:chOff x="0" y="0"/>
-          <a:chExt cx="0" cy="0"/>
-        </a:xfrm>
-      </p:grpSpPr>
-      <p:sp>
-        <p:nvSpPr>
-          <p:cNvPr id="2" name="Title 1"/>
-          <p:cNvSpPr>
-            <a:spLocks noGrp="1"/>
-          </p:cNvSpPr>
-          <p:nvPr>
-            <p:ph type="title"/>
-          </p:nvPr>
-        </p:nvSpPr>
-        <p:spPr/>
-        <p:txBody>
-          <a:bodyPr/>
-          <a:lstStyle/>
-          <a:p>
-            <a:r>
-              <a:rPr lang="en-US" dirty="0" smtClean="0"/>
-              <a:t>Question</a:t>
-            </a:r>
-            <a:endParaRPr lang="en-US" dirty="0"/>
-          </a:p>
-        </p:txBody>
-      </p:sp>
-      <p:sp>
-        <p:nvSpPr>
-          <p:cNvPr id="4" name="Content Placeholder 3"/>
-          <p:cNvSpPr>
-            <a:spLocks noGrp="1"/>
-          </p:cNvSpPr>
-          <p:nvPr>
-            <p:ph idx="1"/>
-          </p:nvPr>
-        </p:nvSpPr>
-        <p:spPr/>
-        <p:txBody>
-          <a:bodyPr/>
-          <a:lstStyle/>
-          <a:p>
-            <a:endParaRPr lang="en-US"/>
-          </a:p>
-        </p:txBody>
-      </p:sp>
-      <p:pic>
-        <p:nvPicPr>
-          <p:cNvPr id="6146" name="Picture 2"/>
-          <p:cNvPicPr>
-            <a:picLocks noChangeAspect="1" noChangeArrowheads="1"/>
-          </p:cNvPicPr>
-          <p:nvPr/>
-        </p:nvPicPr>
-        <p:blipFill>
-          <a:blip r:embed="rId2"/>
-          <a:srcRect/>
-          <a:stretch>
-            <a:fillRect/>
-          </a:stretch>
-        </p:blipFill>
-        <p:spPr bwMode="auto">
-          <a:xfrm>
-            <a:off x="888274" y="1770153"/>
-            <a:ext cx="9353006" cy="3742373"/>
-          </a:xfrm>
-          <a:prstGeom prst="rect">
-            <a:avLst/>
-          </a:prstGeom>
-          <a:noFill/>
-          <a:ln w="9525">
-            <a:noFill/>
-            <a:miter lim="800000"/>
-            <a:headEnd/>
-            <a:tailEnd/>
-          </a:ln>
-          <a:effectLst/>
-        </p:spPr>
-      </p:pic>
-    </p:spTree>
-  </p:cSld>
-  <p:clrMapOvr>
-    <a:masterClrMapping/>
-  </p:clrMapOvr>
-</p:sld>
-</file>
-
-<file path=ppt/slides/slide15.xml><?xml version="1.0" encoding="utf-8"?>
-<p:sld xmlns:a="http://schemas.openxmlformats.org/drawingml/2006/main" xmlns:r="http://schemas.openxmlformats.org/officeDocument/2006/relationships" xmlns:p="http://schemas.openxmlformats.org/presentationml/2006/main">
-  <p:cSld>
-    <p:spTree>
-      <p:nvGrpSpPr>
-        <p:cNvPr id="1" name=""/>
-        <p:cNvGrpSpPr/>
-        <p:nvPr/>
-      </p:nvGrpSpPr>
-      <p:grpSpPr>
-        <a:xfrm>
-          <a:off x="0" y="0"/>
-          <a:ext cx="0" cy="0"/>
-          <a:chOff x="0" y="0"/>
-          <a:chExt cx="0" cy="0"/>
-        </a:xfrm>
-      </p:grpSpPr>
-      <p:sp>
-        <p:nvSpPr>
-          <p:cNvPr id="14" name="Rectangle 13"/>
-          <p:cNvSpPr/>
-          <p:nvPr/>
-        </p:nvSpPr>
-        <p:spPr>
-          <a:xfrm>
-            <a:off x="462834" y="661929"/>
-            <a:ext cx="10811891" cy="4662815"/>
-          </a:xfrm>
-          <a:prstGeom prst="rect">
-            <a:avLst/>
-          </a:prstGeom>
-        </p:spPr>
-        <p:txBody>
-          <a:bodyPr wrap="square">
-            <a:spAutoFit/>
-          </a:bodyPr>
-          <a:lstStyle/>
-          <a:p>
-            <a:pPr marL="285750" indent="-285750">
-              <a:lnSpc>
-                <a:spcPct val="150000"/>
-              </a:lnSpc>
-            </a:pPr>
-            <a:r>
-              <a:rPr lang="en-US" b="1" u="sng" dirty="0" smtClean="0"/>
-              <a:t>Fonts </a:t>
-            </a:r>
-            <a:endParaRPr lang="en-US" b="1" dirty="0" smtClean="0"/>
-          </a:p>
-          <a:p>
-            <a:pPr marL="285750" indent="-285750">
-              <a:lnSpc>
-                <a:spcPct val="150000"/>
-              </a:lnSpc>
-              <a:buFont typeface="Arial" pitchFamily="34" charset="0"/>
-              <a:buChar char="•"/>
-            </a:pPr>
-            <a:r>
-              <a:rPr lang="en-US" dirty="0" smtClean="0"/>
-              <a:t>font-family</a:t>
-            </a:r>
-          </a:p>
-          <a:p>
-            <a:pPr marL="285750" indent="-285750">
-              <a:lnSpc>
-                <a:spcPct val="150000"/>
-              </a:lnSpc>
-              <a:buFont typeface="Arial" pitchFamily="34" charset="0"/>
-              <a:buChar char="•"/>
-            </a:pPr>
-            <a:endParaRPr lang="en-IN" dirty="0" smtClean="0"/>
-          </a:p>
-          <a:p>
-            <a:pPr marL="285750" indent="-285750">
-              <a:lnSpc>
-                <a:spcPct val="150000"/>
-              </a:lnSpc>
-              <a:buFont typeface="Arial" pitchFamily="34" charset="0"/>
-              <a:buChar char="•"/>
-            </a:pPr>
-            <a:r>
-              <a:rPr lang="en-US" dirty="0" smtClean="0"/>
-              <a:t>font-style</a:t>
-            </a:r>
-            <a:endParaRPr lang="en-IN" dirty="0" smtClean="0"/>
-          </a:p>
-          <a:p>
-            <a:pPr marL="285750" indent="-285750">
-              <a:lnSpc>
-                <a:spcPct val="150000"/>
-              </a:lnSpc>
-              <a:buFont typeface="Arial" pitchFamily="34" charset="0"/>
-              <a:buChar char="•"/>
-            </a:pPr>
-            <a:endParaRPr lang="en-IN" dirty="0" smtClean="0"/>
-          </a:p>
-          <a:p>
-            <a:pPr marL="285750" indent="-285750">
-              <a:lnSpc>
-                <a:spcPct val="150000"/>
-              </a:lnSpc>
-              <a:buFont typeface="Arial" pitchFamily="34" charset="0"/>
-              <a:buChar char="•"/>
-            </a:pPr>
-            <a:r>
-              <a:rPr lang="en-US" dirty="0" smtClean="0"/>
-              <a:t>font-weight</a:t>
-            </a:r>
-            <a:endParaRPr lang="en-IN" dirty="0" smtClean="0"/>
-          </a:p>
-          <a:p>
-            <a:pPr marL="285750" indent="-285750">
-              <a:lnSpc>
-                <a:spcPct val="150000"/>
-              </a:lnSpc>
-            </a:pPr>
-            <a:endParaRPr lang="en-US" dirty="0" smtClean="0"/>
-          </a:p>
-          <a:p>
-            <a:pPr marL="285750" indent="-285750">
-              <a:lnSpc>
-                <a:spcPct val="150000"/>
-              </a:lnSpc>
-              <a:buFont typeface="Arial" pitchFamily="34" charset="0"/>
-              <a:buChar char="•"/>
-            </a:pPr>
-            <a:r>
-              <a:rPr lang="en-US" dirty="0" smtClean="0"/>
-              <a:t>font-size</a:t>
-            </a:r>
-          </a:p>
-          <a:p>
-            <a:pPr marL="285750" indent="-285750">
-              <a:lnSpc>
-                <a:spcPct val="150000"/>
-              </a:lnSpc>
-              <a:buFont typeface="Arial" pitchFamily="34" charset="0"/>
-              <a:buChar char="•"/>
-            </a:pPr>
-            <a:endParaRPr lang="en-US" dirty="0" smtClean="0"/>
-          </a:p>
-          <a:p>
-            <a:pPr marL="285750" indent="-285750">
-              <a:lnSpc>
-                <a:spcPct val="150000"/>
-              </a:lnSpc>
-            </a:pPr>
-            <a:endParaRPr lang="en-US" dirty="0" smtClean="0"/>
-          </a:p>
-          <a:p>
-            <a:pPr marL="285750" indent="-285750">
-              <a:lnSpc>
-                <a:spcPct val="150000"/>
-              </a:lnSpc>
-            </a:pPr>
-            <a:endParaRPr lang="en-US" dirty="0" smtClean="0"/>
-          </a:p>
-        </p:txBody>
-      </p:sp>
-      <p:sp>
-        <p:nvSpPr>
-          <p:cNvPr id="4" name="Content Placeholder 13"/>
-          <p:cNvSpPr txBox="1">
-            <a:spLocks/>
-          </p:cNvSpPr>
-          <p:nvPr/>
-        </p:nvSpPr>
-        <p:spPr>
-          <a:xfrm>
-            <a:off x="321126" y="135993"/>
-            <a:ext cx="9791700" cy="630192"/>
-          </a:xfrm>
-          <a:prstGeom prst="rect">
-            <a:avLst/>
-          </a:prstGeom>
-        </p:spPr>
-        <p:txBody>
-          <a:bodyPr vert="horz" lIns="91440" tIns="45720" rIns="91440" bIns="45720" rtlCol="0">
-            <a:noAutofit/>
-          </a:bodyPr>
-          <a:lstStyle>
-            <a:lvl1pPr marL="0" indent="0" algn="ctr" defTabSz="914400" rtl="0" eaLnBrk="1" latinLnBrk="0" hangingPunct="1">
-              <a:lnSpc>
-                <a:spcPct val="90000"/>
-              </a:lnSpc>
-              <a:spcBef>
-                <a:spcPts val="1000"/>
-              </a:spcBef>
-              <a:buFont typeface="Arial" panose="020B0604020202020204" pitchFamily="34" charset="0"/>
-              <a:buNone/>
-              <a:defRPr kumimoji="1" sz="2400" kern="1200">
-                <a:solidFill>
-                  <a:schemeClr val="tx1"/>
-                </a:solidFill>
-                <a:latin typeface="+mn-lt"/>
-                <a:ea typeface="+mn-ea"/>
-                <a:cs typeface="+mn-cs"/>
-              </a:defRPr>
-            </a:lvl1pPr>
-            <a:lvl2pPr marL="457200" indent="0" algn="ctr" defTabSz="914400" rtl="0" eaLnBrk="1" latinLnBrk="0" hangingPunct="1">
-              <a:lnSpc>
-                <a:spcPct val="90000"/>
-              </a:lnSpc>
-              <a:spcBef>
-                <a:spcPts val="500"/>
-              </a:spcBef>
-              <a:buFont typeface="Arial" panose="020B0604020202020204" pitchFamily="34" charset="0"/>
-              <a:buNone/>
-              <a:defRPr kumimoji="1" sz="2000" kern="1200">
-                <a:solidFill>
-                  <a:schemeClr val="tx1"/>
-                </a:solidFill>
-                <a:latin typeface="+mn-lt"/>
-                <a:ea typeface="+mn-ea"/>
-                <a:cs typeface="+mn-cs"/>
-              </a:defRPr>
-            </a:lvl2pPr>
-            <a:lvl3pPr marL="914400" indent="0" algn="ctr" defTabSz="914400" rtl="0" eaLnBrk="1" latinLnBrk="0" hangingPunct="1">
-              <a:lnSpc>
-                <a:spcPct val="90000"/>
-              </a:lnSpc>
-              <a:spcBef>
-                <a:spcPts val="500"/>
-              </a:spcBef>
-              <a:buFont typeface="Arial" panose="020B0604020202020204" pitchFamily="34" charset="0"/>
-              <a:buNone/>
-              <a:defRPr kumimoji="1" sz="1800" kern="1200">
-                <a:solidFill>
-                  <a:schemeClr val="tx1"/>
-                </a:solidFill>
-                <a:latin typeface="+mn-lt"/>
-                <a:ea typeface="+mn-ea"/>
-                <a:cs typeface="+mn-cs"/>
-              </a:defRPr>
-            </a:lvl3pPr>
-            <a:lvl4pPr marL="1371600" indent="0" algn="ctr" defTabSz="914400" rtl="0" eaLnBrk="1" latinLnBrk="0" hangingPunct="1">
-              <a:lnSpc>
-                <a:spcPct val="90000"/>
-              </a:lnSpc>
-              <a:spcBef>
-                <a:spcPts val="500"/>
-              </a:spcBef>
-              <a:buFont typeface="Arial" panose="020B0604020202020204" pitchFamily="34" charset="0"/>
-              <a:buNone/>
-              <a:defRPr kumimoji="1" sz="1600" kern="1200">
-                <a:solidFill>
-                  <a:schemeClr val="tx1"/>
-                </a:solidFill>
-                <a:latin typeface="+mn-lt"/>
-                <a:ea typeface="+mn-ea"/>
-                <a:cs typeface="+mn-cs"/>
-              </a:defRPr>
-            </a:lvl4pPr>
-            <a:lvl5pPr marL="1828800" indent="0" algn="ctr" defTabSz="914400" rtl="0" eaLnBrk="1" latinLnBrk="0" hangingPunct="1">
-              <a:lnSpc>
-                <a:spcPct val="90000"/>
-              </a:lnSpc>
-              <a:spcBef>
-                <a:spcPts val="500"/>
-              </a:spcBef>
-              <a:buFont typeface="Arial" panose="020B0604020202020204" pitchFamily="34" charset="0"/>
-              <a:buNone/>
-              <a:defRPr kumimoji="1" sz="1600" kern="1200">
-                <a:solidFill>
-                  <a:schemeClr val="tx1"/>
-                </a:solidFill>
-                <a:latin typeface="+mn-lt"/>
-                <a:ea typeface="+mn-ea"/>
-                <a:cs typeface="+mn-cs"/>
-              </a:defRPr>
-            </a:lvl5pPr>
-            <a:lvl6pPr marL="2286000" indent="0" algn="ctr" defTabSz="914400" rtl="0" eaLnBrk="1" latinLnBrk="0" hangingPunct="1">
-              <a:lnSpc>
-                <a:spcPct val="90000"/>
-              </a:lnSpc>
-              <a:spcBef>
-                <a:spcPts val="500"/>
-              </a:spcBef>
-              <a:buFont typeface="Arial" panose="020B0604020202020204" pitchFamily="34" charset="0"/>
-              <a:buNone/>
-              <a:defRPr kumimoji="1" sz="1600" kern="1200">
-                <a:solidFill>
-                  <a:schemeClr val="tx1"/>
-                </a:solidFill>
-                <a:latin typeface="+mn-lt"/>
-                <a:ea typeface="+mn-ea"/>
-                <a:cs typeface="+mn-cs"/>
-              </a:defRPr>
-            </a:lvl6pPr>
-            <a:lvl7pPr marL="2743200" indent="0" algn="ctr" defTabSz="914400" rtl="0" eaLnBrk="1" latinLnBrk="0" hangingPunct="1">
-              <a:lnSpc>
-                <a:spcPct val="90000"/>
-              </a:lnSpc>
-              <a:spcBef>
-                <a:spcPts val="500"/>
-              </a:spcBef>
-              <a:buFont typeface="Arial" panose="020B0604020202020204" pitchFamily="34" charset="0"/>
-              <a:buNone/>
-              <a:defRPr kumimoji="1" sz="1600" kern="1200">
-                <a:solidFill>
-                  <a:schemeClr val="tx1"/>
-                </a:solidFill>
-                <a:latin typeface="+mn-lt"/>
-                <a:ea typeface="+mn-ea"/>
-                <a:cs typeface="+mn-cs"/>
-              </a:defRPr>
-            </a:lvl7pPr>
-            <a:lvl8pPr marL="3200400" indent="0" algn="ctr" defTabSz="914400" rtl="0" eaLnBrk="1" latinLnBrk="0" hangingPunct="1">
-              <a:lnSpc>
-                <a:spcPct val="90000"/>
-              </a:lnSpc>
-              <a:spcBef>
-                <a:spcPts val="500"/>
-              </a:spcBef>
-              <a:buFont typeface="Arial" panose="020B0604020202020204" pitchFamily="34" charset="0"/>
-              <a:buNone/>
-              <a:defRPr kumimoji="1" sz="1600" kern="1200">
-                <a:solidFill>
-                  <a:schemeClr val="tx1"/>
-                </a:solidFill>
-                <a:latin typeface="+mn-lt"/>
-                <a:ea typeface="+mn-ea"/>
-                <a:cs typeface="+mn-cs"/>
-              </a:defRPr>
-            </a:lvl8pPr>
-            <a:lvl9pPr marL="3657600" indent="0" algn="ctr" defTabSz="914400" rtl="0" eaLnBrk="1" latinLnBrk="0" hangingPunct="1">
-              <a:lnSpc>
-                <a:spcPct val="90000"/>
-              </a:lnSpc>
-              <a:spcBef>
-                <a:spcPts val="500"/>
-              </a:spcBef>
-              <a:buFont typeface="Arial" panose="020B0604020202020204" pitchFamily="34" charset="0"/>
-              <a:buNone/>
-              <a:defRPr kumimoji="1" sz="1600" kern="1200">
-                <a:solidFill>
-                  <a:schemeClr val="tx1"/>
-                </a:solidFill>
-                <a:latin typeface="+mn-lt"/>
-                <a:ea typeface="+mn-ea"/>
-                <a:cs typeface="+mn-cs"/>
-              </a:defRPr>
-            </a:lvl9pPr>
-          </a:lstStyle>
-          <a:p>
-            <a:pPr algn="l"/>
-            <a:r>
-              <a:rPr lang="en-US" sz="3600" b="1" dirty="0" smtClean="0">
-                <a:solidFill>
-                  <a:srgbClr val="0064B5"/>
-                </a:solidFill>
-              </a:rPr>
-              <a:t>CSS Property - Fonts</a:t>
-            </a:r>
-          </a:p>
-        </p:txBody>
-      </p:sp>
-      <p:sp>
-        <p:nvSpPr>
-          <p:cNvPr id="15" name="Rectangle 14">
-            <a:extLst>
-              <a:ext uri="{FF2B5EF4-FFF2-40B4-BE49-F238E27FC236}">
-                <a16:creationId xmlns:a16="http://schemas.microsoft.com/office/drawing/2014/main" xmlns="" id="{206016ED-72BE-418C-807D-52DC06FF490C}"/>
-              </a:ext>
-            </a:extLst>
-          </p:cNvPr>
-          <p:cNvSpPr/>
-          <p:nvPr/>
-        </p:nvSpPr>
-        <p:spPr>
-          <a:xfrm>
-            <a:off x="2139455" y="1164570"/>
-            <a:ext cx="4942832" cy="405438"/>
-          </a:xfrm>
-          <a:prstGeom prst="rect">
-            <a:avLst/>
-          </a:prstGeom>
-          <a:gradFill flip="none" rotWithShape="1">
-            <a:gsLst>
-              <a:gs pos="0">
-                <a:schemeClr val="bg2"/>
-              </a:gs>
-              <a:gs pos="50000">
-                <a:schemeClr val="accent3">
-                  <a:lumMod val="20000"/>
-                  <a:lumOff val="80000"/>
-                  <a:shade val="67500"/>
-                  <a:satMod val="115000"/>
-                </a:schemeClr>
-              </a:gs>
-              <a:gs pos="100000">
-                <a:schemeClr val="accent3">
-                  <a:lumMod val="20000"/>
-                  <a:lumOff val="80000"/>
-                  <a:shade val="100000"/>
-                  <a:satMod val="115000"/>
-                </a:schemeClr>
-              </a:gs>
-            </a:gsLst>
-            <a:lin ang="6600000" scaled="0"/>
-            <a:tileRect/>
-          </a:gradFill>
-          <a:ln>
-            <a:solidFill>
-              <a:schemeClr val="tx1">
-                <a:lumMod val="50000"/>
-                <a:lumOff val="50000"/>
-              </a:schemeClr>
-            </a:solidFill>
-          </a:ln>
-        </p:spPr>
-        <p:style>
-          <a:lnRef idx="2">
-            <a:schemeClr val="accent1">
-              <a:shade val="50000"/>
-            </a:schemeClr>
-          </a:lnRef>
-          <a:fillRef idx="1">
-            <a:schemeClr val="accent1"/>
-          </a:fillRef>
-          <a:effectRef idx="0">
-            <a:schemeClr val="accent1"/>
-          </a:effectRef>
-          <a:fontRef idx="minor">
-            <a:schemeClr val="lt1"/>
-          </a:fontRef>
-        </p:style>
-        <p:txBody>
-          <a:bodyPr rtlCol="0" anchor="ctr"/>
-          <a:lstStyle/>
-          <a:p>
-            <a:r>
-              <a:rPr lang="en-IN" sz="1400" dirty="0" smtClean="0">
-                <a:solidFill>
-                  <a:schemeClr val="tx1"/>
-                </a:solidFill>
-              </a:rPr>
-              <a:t>p {</a:t>
-            </a:r>
-            <a:r>
-              <a:rPr lang="en-US" sz="1400" dirty="0" smtClean="0">
-                <a:solidFill>
-                  <a:schemeClr val="tx1"/>
-                </a:solidFill>
-              </a:rPr>
-              <a:t>font-family: "Times New Roman", Times, serif</a:t>
-            </a:r>
-            <a:r>
-              <a:rPr lang="en-IN" sz="1400" dirty="0" smtClean="0">
-                <a:solidFill>
-                  <a:schemeClr val="tx1"/>
-                </a:solidFill>
-              </a:rPr>
-              <a:t>; }</a:t>
-            </a:r>
-            <a:endParaRPr lang="en-US" sz="1400" dirty="0">
-              <a:solidFill>
-                <a:schemeClr val="tx1"/>
-              </a:solidFill>
-            </a:endParaRPr>
-          </a:p>
-        </p:txBody>
-      </p:sp>
-      <p:sp>
-        <p:nvSpPr>
-          <p:cNvPr id="10" name="Rectangle 9">
-            <a:extLst>
-              <a:ext uri="{FF2B5EF4-FFF2-40B4-BE49-F238E27FC236}">
-                <a16:creationId xmlns:a16="http://schemas.microsoft.com/office/drawing/2014/main" xmlns="" id="{206016ED-72BE-418C-807D-52DC06FF490C}"/>
-              </a:ext>
-            </a:extLst>
-          </p:cNvPr>
-          <p:cNvSpPr/>
-          <p:nvPr/>
-        </p:nvSpPr>
-        <p:spPr>
-          <a:xfrm>
-            <a:off x="2093446" y="1938071"/>
-            <a:ext cx="5023345" cy="391061"/>
-          </a:xfrm>
-          <a:prstGeom prst="rect">
-            <a:avLst/>
-          </a:prstGeom>
-          <a:gradFill flip="none" rotWithShape="1">
-            <a:gsLst>
-              <a:gs pos="0">
-                <a:schemeClr val="bg2"/>
-              </a:gs>
-              <a:gs pos="50000">
-                <a:schemeClr val="accent3">
-                  <a:lumMod val="20000"/>
-                  <a:lumOff val="80000"/>
-                  <a:shade val="67500"/>
-                  <a:satMod val="115000"/>
-                </a:schemeClr>
-              </a:gs>
-              <a:gs pos="100000">
-                <a:schemeClr val="accent3">
-                  <a:lumMod val="20000"/>
-                  <a:lumOff val="80000"/>
-                  <a:shade val="100000"/>
-                  <a:satMod val="115000"/>
-                </a:schemeClr>
-              </a:gs>
-            </a:gsLst>
-            <a:lin ang="6600000" scaled="0"/>
-            <a:tileRect/>
-          </a:gradFill>
-          <a:ln>
-            <a:solidFill>
-              <a:schemeClr val="tx1">
-                <a:lumMod val="50000"/>
-                <a:lumOff val="50000"/>
-              </a:schemeClr>
-            </a:solidFill>
-          </a:ln>
-        </p:spPr>
-        <p:style>
-          <a:lnRef idx="2">
-            <a:schemeClr val="accent1">
-              <a:shade val="50000"/>
-            </a:schemeClr>
-          </a:lnRef>
-          <a:fillRef idx="1">
-            <a:schemeClr val="accent1"/>
-          </a:fillRef>
-          <a:effectRef idx="0">
-            <a:schemeClr val="accent1"/>
-          </a:effectRef>
-          <a:fontRef idx="minor">
-            <a:schemeClr val="lt1"/>
-          </a:fontRef>
-        </p:style>
-        <p:txBody>
-          <a:bodyPr rtlCol="0" anchor="ctr"/>
-          <a:lstStyle/>
-          <a:p>
-            <a:r>
-              <a:rPr lang="en-IN" sz="1400" dirty="0" smtClean="0">
-                <a:solidFill>
-                  <a:schemeClr val="tx1"/>
-                </a:solidFill>
-              </a:rPr>
-              <a:t>p {font-style:  italic;}</a:t>
-            </a:r>
-            <a:endParaRPr lang="en-US" sz="1400" dirty="0">
-              <a:solidFill>
-                <a:schemeClr val="tx1"/>
-              </a:solidFill>
-            </a:endParaRPr>
-          </a:p>
-        </p:txBody>
-      </p:sp>
-      <p:sp>
-        <p:nvSpPr>
-          <p:cNvPr id="11" name="Rectangle 10">
-            <a:extLst>
-              <a:ext uri="{FF2B5EF4-FFF2-40B4-BE49-F238E27FC236}">
-                <a16:creationId xmlns:a16="http://schemas.microsoft.com/office/drawing/2014/main" xmlns="" id="{206016ED-72BE-418C-807D-52DC06FF490C}"/>
-              </a:ext>
-            </a:extLst>
-          </p:cNvPr>
-          <p:cNvSpPr/>
-          <p:nvPr/>
-        </p:nvSpPr>
-        <p:spPr>
-          <a:xfrm>
-            <a:off x="2116450" y="2780584"/>
-            <a:ext cx="5023345" cy="391061"/>
-          </a:xfrm>
-          <a:prstGeom prst="rect">
-            <a:avLst/>
-          </a:prstGeom>
-          <a:gradFill flip="none" rotWithShape="1">
-            <a:gsLst>
-              <a:gs pos="0">
-                <a:schemeClr val="bg2"/>
-              </a:gs>
-              <a:gs pos="50000">
-                <a:schemeClr val="accent3">
-                  <a:lumMod val="20000"/>
-                  <a:lumOff val="80000"/>
-                  <a:shade val="67500"/>
-                  <a:satMod val="115000"/>
-                </a:schemeClr>
-              </a:gs>
-              <a:gs pos="100000">
-                <a:schemeClr val="accent3">
-                  <a:lumMod val="20000"/>
-                  <a:lumOff val="80000"/>
-                  <a:shade val="100000"/>
-                  <a:satMod val="115000"/>
-                </a:schemeClr>
-              </a:gs>
-            </a:gsLst>
-            <a:lin ang="6600000" scaled="0"/>
-            <a:tileRect/>
-          </a:gradFill>
-          <a:ln>
-            <a:solidFill>
-              <a:schemeClr val="tx1">
-                <a:lumMod val="50000"/>
-                <a:lumOff val="50000"/>
-              </a:schemeClr>
-            </a:solidFill>
-          </a:ln>
-        </p:spPr>
-        <p:style>
-          <a:lnRef idx="2">
-            <a:schemeClr val="accent1">
-              <a:shade val="50000"/>
-            </a:schemeClr>
-          </a:lnRef>
-          <a:fillRef idx="1">
-            <a:schemeClr val="accent1"/>
-          </a:fillRef>
-          <a:effectRef idx="0">
-            <a:schemeClr val="accent1"/>
-          </a:effectRef>
-          <a:fontRef idx="minor">
-            <a:schemeClr val="lt1"/>
-          </a:fontRef>
-        </p:style>
-        <p:txBody>
-          <a:bodyPr rtlCol="0" anchor="ctr"/>
-          <a:lstStyle/>
-          <a:p>
-            <a:r>
-              <a:rPr lang="en-IN" sz="1400" dirty="0" smtClean="0">
-                <a:solidFill>
-                  <a:schemeClr val="tx1"/>
-                </a:solidFill>
-              </a:rPr>
-              <a:t>p {font-weight: bold;}</a:t>
-            </a:r>
-            <a:endParaRPr lang="en-US" sz="1400" dirty="0">
-              <a:solidFill>
-                <a:schemeClr val="tx1"/>
-              </a:solidFill>
-            </a:endParaRPr>
-          </a:p>
-        </p:txBody>
-      </p:sp>
-      <p:sp>
-        <p:nvSpPr>
-          <p:cNvPr id="13" name="Rectangle 12">
-            <a:extLst>
-              <a:ext uri="{FF2B5EF4-FFF2-40B4-BE49-F238E27FC236}">
-                <a16:creationId xmlns:a16="http://schemas.microsoft.com/office/drawing/2014/main" xmlns="" id="{206016ED-72BE-418C-807D-52DC06FF490C}"/>
-              </a:ext>
-            </a:extLst>
-          </p:cNvPr>
-          <p:cNvSpPr/>
-          <p:nvPr/>
-        </p:nvSpPr>
-        <p:spPr>
-          <a:xfrm>
-            <a:off x="2096322" y="3579965"/>
-            <a:ext cx="5023345" cy="391061"/>
-          </a:xfrm>
-          <a:prstGeom prst="rect">
-            <a:avLst/>
-          </a:prstGeom>
-          <a:gradFill flip="none" rotWithShape="1">
-            <a:gsLst>
-              <a:gs pos="0">
-                <a:schemeClr val="bg2"/>
-              </a:gs>
-              <a:gs pos="50000">
-                <a:schemeClr val="accent3">
-                  <a:lumMod val="20000"/>
-                  <a:lumOff val="80000"/>
-                  <a:shade val="67500"/>
-                  <a:satMod val="115000"/>
-                </a:schemeClr>
-              </a:gs>
-              <a:gs pos="100000">
-                <a:schemeClr val="accent3">
-                  <a:lumMod val="20000"/>
-                  <a:lumOff val="80000"/>
-                  <a:shade val="100000"/>
-                  <a:satMod val="115000"/>
-                </a:schemeClr>
-              </a:gs>
-            </a:gsLst>
-            <a:lin ang="6600000" scaled="0"/>
-            <a:tileRect/>
-          </a:gradFill>
-          <a:ln>
-            <a:solidFill>
-              <a:schemeClr val="tx1">
-                <a:lumMod val="50000"/>
-                <a:lumOff val="50000"/>
-              </a:schemeClr>
-            </a:solidFill>
-          </a:ln>
-        </p:spPr>
-        <p:style>
-          <a:lnRef idx="2">
-            <a:schemeClr val="accent1">
-              <a:shade val="50000"/>
-            </a:schemeClr>
-          </a:lnRef>
-          <a:fillRef idx="1">
-            <a:schemeClr val="accent1"/>
-          </a:fillRef>
-          <a:effectRef idx="0">
-            <a:schemeClr val="accent1"/>
-          </a:effectRef>
-          <a:fontRef idx="minor">
-            <a:schemeClr val="lt1"/>
-          </a:fontRef>
-        </p:style>
-        <p:txBody>
-          <a:bodyPr rtlCol="0" anchor="ctr"/>
-          <a:lstStyle/>
-          <a:p>
-            <a:r>
-              <a:rPr lang="en-IN" sz="1400" dirty="0" smtClean="0">
-                <a:solidFill>
-                  <a:schemeClr val="tx1"/>
-                </a:solidFill>
-              </a:rPr>
-              <a:t>p {font-size: 14px;}</a:t>
-            </a:r>
-            <a:endParaRPr lang="en-US" sz="1400" dirty="0">
-              <a:solidFill>
-                <a:schemeClr val="tx1"/>
-              </a:solidFill>
-            </a:endParaRPr>
-          </a:p>
-        </p:txBody>
-      </p:sp>
-    </p:spTree>
-    <p:extLst>
-      <p:ext uri="{BB962C8B-B14F-4D97-AF65-F5344CB8AC3E}">
-        <p14:creationId xmlns:p14="http://schemas.microsoft.com/office/powerpoint/2010/main" xmlns="" val="2848728424"/>
-      </p:ext>
-    </p:extLst>
-  </p:cSld>
-  <p:clrMapOvr>
-    <a:masterClrMapping/>
-  </p:clrMapOvr>
-  <p:timing>
-    <p:tnLst>
-      <p:par>
-        <p:cTn id="1" dur="indefinite" restart="never" nodeType="tmRoot"/>
-      </p:par>
-    </p:tnLst>
-  </p:timing>
-</p:sld>
-</file>
-
-<file path=ppt/slides/slide16.xml><?xml version="1.0" encoding="utf-8"?>
-<p:sld xmlns:a="http://schemas.openxmlformats.org/drawingml/2006/main" xmlns:r="http://schemas.openxmlformats.org/officeDocument/2006/relationships" xmlns:p="http://schemas.openxmlformats.org/presentationml/2006/main">
-  <p:cSld>
-    <p:spTree>
-      <p:nvGrpSpPr>
-        <p:cNvPr id="1" name=""/>
-        <p:cNvGrpSpPr/>
-        <p:nvPr/>
-      </p:nvGrpSpPr>
-      <p:grpSpPr>
-        <a:xfrm>
-          <a:off x="0" y="0"/>
-          <a:ext cx="0" cy="0"/>
-          <a:chOff x="0" y="0"/>
-          <a:chExt cx="0" cy="0"/>
-        </a:xfrm>
-      </p:grpSpPr>
-      <p:sp>
-        <p:nvSpPr>
-          <p:cNvPr id="14" name="Rectangle 13"/>
-          <p:cNvSpPr/>
-          <p:nvPr/>
-        </p:nvSpPr>
-        <p:spPr>
-          <a:xfrm>
-            <a:off x="462834" y="661929"/>
-            <a:ext cx="10811891" cy="5078313"/>
-          </a:xfrm>
-          <a:prstGeom prst="rect">
-            <a:avLst/>
-          </a:prstGeom>
-        </p:spPr>
-        <p:txBody>
-          <a:bodyPr wrap="square">
-            <a:spAutoFit/>
-          </a:bodyPr>
-          <a:lstStyle/>
-          <a:p>
-            <a:pPr marL="285750" indent="-285750">
-              <a:lnSpc>
-                <a:spcPct val="150000"/>
-              </a:lnSpc>
-            </a:pPr>
-            <a:r>
-              <a:rPr lang="en-US" b="1" u="sng" dirty="0" smtClean="0"/>
-              <a:t>Float</a:t>
-            </a:r>
-            <a:r>
-              <a:rPr lang="en-US" dirty="0" smtClean="0"/>
-              <a:t> - The CSS float property specifies how an element should float.</a:t>
-            </a:r>
-            <a:endParaRPr lang="en-US" b="1" dirty="0" smtClean="0"/>
-          </a:p>
-          <a:p>
-            <a:pPr marL="285750" indent="-285750">
-              <a:lnSpc>
-                <a:spcPct val="150000"/>
-              </a:lnSpc>
-              <a:buFont typeface="Arial" pitchFamily="34" charset="0"/>
-              <a:buChar char="•"/>
-            </a:pPr>
-            <a:r>
-              <a:rPr lang="en-US" dirty="0" smtClean="0"/>
-              <a:t>float: left</a:t>
-            </a:r>
-          </a:p>
-          <a:p>
-            <a:pPr marL="285750" indent="-285750">
-              <a:lnSpc>
-                <a:spcPct val="150000"/>
-              </a:lnSpc>
-              <a:buFont typeface="Arial" pitchFamily="34" charset="0"/>
-              <a:buChar char="•"/>
-            </a:pPr>
-            <a:endParaRPr lang="en-IN" dirty="0" smtClean="0"/>
-          </a:p>
-          <a:p>
-            <a:pPr marL="285750" indent="-285750">
-              <a:lnSpc>
-                <a:spcPct val="150000"/>
-              </a:lnSpc>
-              <a:buFont typeface="Arial" pitchFamily="34" charset="0"/>
-              <a:buChar char="•"/>
-            </a:pPr>
-            <a:endParaRPr lang="en-US" dirty="0" smtClean="0"/>
-          </a:p>
-          <a:p>
-            <a:pPr marL="285750" indent="-285750">
-              <a:lnSpc>
-                <a:spcPct val="150000"/>
-              </a:lnSpc>
-              <a:buFont typeface="Arial" pitchFamily="34" charset="0"/>
-              <a:buChar char="•"/>
-            </a:pPr>
-            <a:r>
-              <a:rPr lang="en-US" dirty="0" smtClean="0"/>
-              <a:t>float: right</a:t>
-            </a:r>
-          </a:p>
-          <a:p>
-            <a:pPr marL="285750" indent="-285750">
-              <a:lnSpc>
-                <a:spcPct val="150000"/>
-              </a:lnSpc>
-              <a:buFont typeface="Arial" pitchFamily="34" charset="0"/>
-              <a:buChar char="•"/>
-            </a:pPr>
-            <a:endParaRPr lang="en-IN" dirty="0" smtClean="0"/>
-          </a:p>
-          <a:p>
-            <a:pPr marL="285750" indent="-285750">
-              <a:lnSpc>
-                <a:spcPct val="150000"/>
-              </a:lnSpc>
-              <a:buFont typeface="Arial" pitchFamily="34" charset="0"/>
-              <a:buChar char="•"/>
-            </a:pPr>
-            <a:endParaRPr lang="en-US" dirty="0" smtClean="0"/>
-          </a:p>
-          <a:p>
-            <a:pPr marL="285750" indent="-285750">
-              <a:lnSpc>
-                <a:spcPct val="150000"/>
-              </a:lnSpc>
-              <a:buFont typeface="Arial" pitchFamily="34" charset="0"/>
-              <a:buChar char="•"/>
-            </a:pPr>
-            <a:r>
-              <a:rPr lang="en-US" dirty="0" smtClean="0"/>
-              <a:t>float: none</a:t>
-            </a:r>
-          </a:p>
-          <a:p>
-            <a:pPr marL="285750" indent="-285750">
-              <a:lnSpc>
-                <a:spcPct val="150000"/>
-              </a:lnSpc>
-            </a:pPr>
-            <a:endParaRPr lang="en-US" dirty="0" smtClean="0"/>
-          </a:p>
-          <a:p>
-            <a:pPr marL="285750" indent="-285750">
-              <a:lnSpc>
-                <a:spcPct val="150000"/>
-              </a:lnSpc>
-              <a:buFont typeface="Arial" pitchFamily="34" charset="0"/>
-              <a:buChar char="•"/>
-            </a:pPr>
-            <a:endParaRPr lang="en-US" dirty="0" smtClean="0"/>
-          </a:p>
-          <a:p>
-            <a:pPr marL="285750" indent="-285750">
-              <a:lnSpc>
-                <a:spcPct val="150000"/>
-              </a:lnSpc>
-            </a:pPr>
-            <a:endParaRPr lang="en-US" dirty="0" smtClean="0"/>
-          </a:p>
-          <a:p>
-            <a:pPr marL="285750" indent="-285750">
-              <a:lnSpc>
-                <a:spcPct val="150000"/>
-              </a:lnSpc>
-            </a:pPr>
-            <a:endParaRPr lang="en-US" dirty="0" smtClean="0"/>
-          </a:p>
-        </p:txBody>
-      </p:sp>
-      <p:sp>
-        <p:nvSpPr>
-          <p:cNvPr id="4" name="Content Placeholder 13"/>
-          <p:cNvSpPr txBox="1">
-            <a:spLocks/>
-          </p:cNvSpPr>
-          <p:nvPr/>
-        </p:nvSpPr>
-        <p:spPr>
-          <a:xfrm>
-            <a:off x="321126" y="135993"/>
-            <a:ext cx="9791700" cy="630192"/>
-          </a:xfrm>
-          <a:prstGeom prst="rect">
-            <a:avLst/>
-          </a:prstGeom>
-        </p:spPr>
-        <p:txBody>
-          <a:bodyPr vert="horz" lIns="91440" tIns="45720" rIns="91440" bIns="45720" rtlCol="0">
-            <a:noAutofit/>
-          </a:bodyPr>
-          <a:lstStyle>
-            <a:lvl1pPr marL="0" indent="0" algn="ctr" defTabSz="914400" rtl="0" eaLnBrk="1" latinLnBrk="0" hangingPunct="1">
-              <a:lnSpc>
-                <a:spcPct val="90000"/>
-              </a:lnSpc>
-              <a:spcBef>
-                <a:spcPts val="1000"/>
-              </a:spcBef>
-              <a:buFont typeface="Arial" panose="020B0604020202020204" pitchFamily="34" charset="0"/>
-              <a:buNone/>
-              <a:defRPr kumimoji="1" sz="2400" kern="1200">
-                <a:solidFill>
-                  <a:schemeClr val="tx1"/>
-                </a:solidFill>
-                <a:latin typeface="+mn-lt"/>
-                <a:ea typeface="+mn-ea"/>
-                <a:cs typeface="+mn-cs"/>
-              </a:defRPr>
-            </a:lvl1pPr>
-            <a:lvl2pPr marL="457200" indent="0" algn="ctr" defTabSz="914400" rtl="0" eaLnBrk="1" latinLnBrk="0" hangingPunct="1">
-              <a:lnSpc>
-                <a:spcPct val="90000"/>
-              </a:lnSpc>
-              <a:spcBef>
-                <a:spcPts val="500"/>
-              </a:spcBef>
-              <a:buFont typeface="Arial" panose="020B0604020202020204" pitchFamily="34" charset="0"/>
-              <a:buNone/>
-              <a:defRPr kumimoji="1" sz="2000" kern="1200">
-                <a:solidFill>
-                  <a:schemeClr val="tx1"/>
-                </a:solidFill>
-                <a:latin typeface="+mn-lt"/>
-                <a:ea typeface="+mn-ea"/>
-                <a:cs typeface="+mn-cs"/>
-              </a:defRPr>
-            </a:lvl2pPr>
-            <a:lvl3pPr marL="914400" indent="0" algn="ctr" defTabSz="914400" rtl="0" eaLnBrk="1" latinLnBrk="0" hangingPunct="1">
-              <a:lnSpc>
-                <a:spcPct val="90000"/>
-              </a:lnSpc>
-              <a:spcBef>
-                <a:spcPts val="500"/>
-              </a:spcBef>
-              <a:buFont typeface="Arial" panose="020B0604020202020204" pitchFamily="34" charset="0"/>
-              <a:buNone/>
-              <a:defRPr kumimoji="1" sz="1800" kern="1200">
-                <a:solidFill>
-                  <a:schemeClr val="tx1"/>
-                </a:solidFill>
-                <a:latin typeface="+mn-lt"/>
-                <a:ea typeface="+mn-ea"/>
-                <a:cs typeface="+mn-cs"/>
-              </a:defRPr>
-            </a:lvl3pPr>
-            <a:lvl4pPr marL="1371600" indent="0" algn="ctr" defTabSz="914400" rtl="0" eaLnBrk="1" latinLnBrk="0" hangingPunct="1">
-              <a:lnSpc>
-                <a:spcPct val="90000"/>
-              </a:lnSpc>
-              <a:spcBef>
-                <a:spcPts val="500"/>
-              </a:spcBef>
-              <a:buFont typeface="Arial" panose="020B0604020202020204" pitchFamily="34" charset="0"/>
-              <a:buNone/>
-              <a:defRPr kumimoji="1" sz="1600" kern="1200">
-                <a:solidFill>
-                  <a:schemeClr val="tx1"/>
-                </a:solidFill>
-                <a:latin typeface="+mn-lt"/>
-                <a:ea typeface="+mn-ea"/>
-                <a:cs typeface="+mn-cs"/>
-              </a:defRPr>
-            </a:lvl4pPr>
-            <a:lvl5pPr marL="1828800" indent="0" algn="ctr" defTabSz="914400" rtl="0" eaLnBrk="1" latinLnBrk="0" hangingPunct="1">
-              <a:lnSpc>
-                <a:spcPct val="90000"/>
-              </a:lnSpc>
-              <a:spcBef>
-                <a:spcPts val="500"/>
-              </a:spcBef>
-              <a:buFont typeface="Arial" panose="020B0604020202020204" pitchFamily="34" charset="0"/>
-              <a:buNone/>
-              <a:defRPr kumimoji="1" sz="1600" kern="1200">
-                <a:solidFill>
-                  <a:schemeClr val="tx1"/>
-                </a:solidFill>
-                <a:latin typeface="+mn-lt"/>
-                <a:ea typeface="+mn-ea"/>
-                <a:cs typeface="+mn-cs"/>
-              </a:defRPr>
-            </a:lvl5pPr>
-            <a:lvl6pPr marL="2286000" indent="0" algn="ctr" defTabSz="914400" rtl="0" eaLnBrk="1" latinLnBrk="0" hangingPunct="1">
-              <a:lnSpc>
-                <a:spcPct val="90000"/>
-              </a:lnSpc>
-              <a:spcBef>
-                <a:spcPts val="500"/>
-              </a:spcBef>
-              <a:buFont typeface="Arial" panose="020B0604020202020204" pitchFamily="34" charset="0"/>
-              <a:buNone/>
-              <a:defRPr kumimoji="1" sz="1600" kern="1200">
-                <a:solidFill>
-                  <a:schemeClr val="tx1"/>
-                </a:solidFill>
-                <a:latin typeface="+mn-lt"/>
-                <a:ea typeface="+mn-ea"/>
-                <a:cs typeface="+mn-cs"/>
-              </a:defRPr>
-            </a:lvl6pPr>
-            <a:lvl7pPr marL="2743200" indent="0" algn="ctr" defTabSz="914400" rtl="0" eaLnBrk="1" latinLnBrk="0" hangingPunct="1">
-              <a:lnSpc>
-                <a:spcPct val="90000"/>
-              </a:lnSpc>
-              <a:spcBef>
-                <a:spcPts val="500"/>
-              </a:spcBef>
-              <a:buFont typeface="Arial" panose="020B0604020202020204" pitchFamily="34" charset="0"/>
-              <a:buNone/>
-              <a:defRPr kumimoji="1" sz="1600" kern="1200">
-                <a:solidFill>
-                  <a:schemeClr val="tx1"/>
-                </a:solidFill>
-                <a:latin typeface="+mn-lt"/>
-                <a:ea typeface="+mn-ea"/>
-                <a:cs typeface="+mn-cs"/>
-              </a:defRPr>
-            </a:lvl7pPr>
-            <a:lvl8pPr marL="3200400" indent="0" algn="ctr" defTabSz="914400" rtl="0" eaLnBrk="1" latinLnBrk="0" hangingPunct="1">
-              <a:lnSpc>
-                <a:spcPct val="90000"/>
-              </a:lnSpc>
-              <a:spcBef>
-                <a:spcPts val="500"/>
-              </a:spcBef>
-              <a:buFont typeface="Arial" panose="020B0604020202020204" pitchFamily="34" charset="0"/>
-              <a:buNone/>
-              <a:defRPr kumimoji="1" sz="1600" kern="1200">
-                <a:solidFill>
-                  <a:schemeClr val="tx1"/>
-                </a:solidFill>
-                <a:latin typeface="+mn-lt"/>
-                <a:ea typeface="+mn-ea"/>
-                <a:cs typeface="+mn-cs"/>
-              </a:defRPr>
-            </a:lvl8pPr>
-            <a:lvl9pPr marL="3657600" indent="0" algn="ctr" defTabSz="914400" rtl="0" eaLnBrk="1" latinLnBrk="0" hangingPunct="1">
-              <a:lnSpc>
-                <a:spcPct val="90000"/>
-              </a:lnSpc>
-              <a:spcBef>
-                <a:spcPts val="500"/>
-              </a:spcBef>
-              <a:buFont typeface="Arial" panose="020B0604020202020204" pitchFamily="34" charset="0"/>
-              <a:buNone/>
-              <a:defRPr kumimoji="1" sz="1600" kern="1200">
-                <a:solidFill>
-                  <a:schemeClr val="tx1"/>
-                </a:solidFill>
-                <a:latin typeface="+mn-lt"/>
-                <a:ea typeface="+mn-ea"/>
-                <a:cs typeface="+mn-cs"/>
-              </a:defRPr>
-            </a:lvl9pPr>
-          </a:lstStyle>
-          <a:p>
-            <a:pPr algn="l"/>
-            <a:r>
-              <a:rPr lang="en-US" sz="3600" b="1" dirty="0" smtClean="0">
-                <a:solidFill>
-                  <a:srgbClr val="0064B5"/>
-                </a:solidFill>
-              </a:rPr>
-              <a:t>CSS Property - Float</a:t>
-            </a:r>
-          </a:p>
-        </p:txBody>
-      </p:sp>
-      <p:sp>
-        <p:nvSpPr>
-          <p:cNvPr id="15" name="Rectangle 14">
-            <a:extLst>
-              <a:ext uri="{FF2B5EF4-FFF2-40B4-BE49-F238E27FC236}">
-                <a16:creationId xmlns:a16="http://schemas.microsoft.com/office/drawing/2014/main" xmlns="" id="{206016ED-72BE-418C-807D-52DC06FF490C}"/>
-              </a:ext>
-            </a:extLst>
-          </p:cNvPr>
-          <p:cNvSpPr/>
-          <p:nvPr/>
-        </p:nvSpPr>
-        <p:spPr>
-          <a:xfrm>
-            <a:off x="1578738" y="1639021"/>
-            <a:ext cx="2587820" cy="704683"/>
-          </a:xfrm>
-          <a:prstGeom prst="rect">
-            <a:avLst/>
-          </a:prstGeom>
-          <a:gradFill flip="none" rotWithShape="1">
-            <a:gsLst>
-              <a:gs pos="0">
-                <a:schemeClr val="bg2"/>
-              </a:gs>
-              <a:gs pos="50000">
-                <a:schemeClr val="accent3">
-                  <a:lumMod val="20000"/>
-                  <a:lumOff val="80000"/>
-                  <a:shade val="67500"/>
-                  <a:satMod val="115000"/>
-                </a:schemeClr>
-              </a:gs>
-              <a:gs pos="100000">
-                <a:schemeClr val="accent3">
-                  <a:lumMod val="20000"/>
-                  <a:lumOff val="80000"/>
-                  <a:shade val="100000"/>
-                  <a:satMod val="115000"/>
-                </a:schemeClr>
-              </a:gs>
-            </a:gsLst>
-            <a:lin ang="6600000" scaled="0"/>
-            <a:tileRect/>
-          </a:gradFill>
-          <a:ln>
-            <a:solidFill>
-              <a:schemeClr val="tx1">
-                <a:lumMod val="50000"/>
-                <a:lumOff val="50000"/>
-              </a:schemeClr>
-            </a:solidFill>
-          </a:ln>
-        </p:spPr>
-        <p:style>
-          <a:lnRef idx="2">
-            <a:schemeClr val="accent1">
-              <a:shade val="50000"/>
-            </a:schemeClr>
-          </a:lnRef>
-          <a:fillRef idx="1">
-            <a:schemeClr val="accent1"/>
-          </a:fillRef>
-          <a:effectRef idx="0">
-            <a:schemeClr val="accent1"/>
-          </a:effectRef>
-          <a:fontRef idx="minor">
-            <a:schemeClr val="lt1"/>
-          </a:fontRef>
-        </p:style>
-        <p:txBody>
-          <a:bodyPr rtlCol="0" anchor="ctr"/>
-          <a:lstStyle/>
-          <a:p>
-            <a:r>
-              <a:rPr lang="en-IN" sz="1400" dirty="0" err="1" smtClean="0">
-                <a:solidFill>
-                  <a:schemeClr val="tx1"/>
-                </a:solidFill>
-              </a:rPr>
-              <a:t>img</a:t>
-            </a:r>
-            <a:r>
-              <a:rPr lang="en-IN" sz="1400" dirty="0" smtClean="0">
-                <a:solidFill>
-                  <a:schemeClr val="tx1"/>
-                </a:solidFill>
-              </a:rPr>
-              <a:t> {</a:t>
-            </a:r>
-          </a:p>
-          <a:p>
-            <a:r>
-              <a:rPr lang="en-IN" sz="1400" dirty="0" smtClean="0">
-                <a:solidFill>
-                  <a:schemeClr val="tx1"/>
-                </a:solidFill>
-              </a:rPr>
-              <a:t> float: left; </a:t>
-            </a:r>
-          </a:p>
-          <a:p>
-            <a:r>
-              <a:rPr lang="en-IN" sz="1400" dirty="0" smtClean="0">
-                <a:solidFill>
-                  <a:schemeClr val="tx1"/>
-                </a:solidFill>
-              </a:rPr>
-              <a:t>}</a:t>
-            </a:r>
-            <a:endParaRPr lang="en-US" sz="1400" dirty="0">
-              <a:solidFill>
-                <a:schemeClr val="tx1"/>
-              </a:solidFill>
-            </a:endParaRPr>
-          </a:p>
-        </p:txBody>
-      </p:sp>
-      <p:sp>
-        <p:nvSpPr>
-          <p:cNvPr id="11" name="Rectangle 10">
-            <a:extLst>
-              <a:ext uri="{FF2B5EF4-FFF2-40B4-BE49-F238E27FC236}">
-                <a16:creationId xmlns:a16="http://schemas.microsoft.com/office/drawing/2014/main" xmlns="" id="{206016ED-72BE-418C-807D-52DC06FF490C}"/>
-              </a:ext>
-            </a:extLst>
-          </p:cNvPr>
-          <p:cNvSpPr/>
-          <p:nvPr/>
-        </p:nvSpPr>
-        <p:spPr>
-          <a:xfrm>
-            <a:off x="1581613" y="2866483"/>
-            <a:ext cx="2584946" cy="646981"/>
-          </a:xfrm>
-          <a:prstGeom prst="rect">
-            <a:avLst/>
-          </a:prstGeom>
-          <a:gradFill flip="none" rotWithShape="1">
-            <a:gsLst>
-              <a:gs pos="0">
-                <a:schemeClr val="bg2"/>
-              </a:gs>
-              <a:gs pos="50000">
-                <a:schemeClr val="accent3">
-                  <a:lumMod val="20000"/>
-                  <a:lumOff val="80000"/>
-                  <a:shade val="67500"/>
-                  <a:satMod val="115000"/>
-                </a:schemeClr>
-              </a:gs>
-              <a:gs pos="100000">
-                <a:schemeClr val="accent3">
-                  <a:lumMod val="20000"/>
-                  <a:lumOff val="80000"/>
-                  <a:shade val="100000"/>
-                  <a:satMod val="115000"/>
-                </a:schemeClr>
-              </a:gs>
-            </a:gsLst>
-            <a:lin ang="6600000" scaled="0"/>
-            <a:tileRect/>
-          </a:gradFill>
-          <a:ln>
-            <a:solidFill>
-              <a:schemeClr val="tx1">
-                <a:lumMod val="50000"/>
-                <a:lumOff val="50000"/>
-              </a:schemeClr>
-            </a:solidFill>
-          </a:ln>
-        </p:spPr>
-        <p:style>
-          <a:lnRef idx="2">
-            <a:schemeClr val="accent1">
-              <a:shade val="50000"/>
-            </a:schemeClr>
-          </a:lnRef>
-          <a:fillRef idx="1">
-            <a:schemeClr val="accent1"/>
-          </a:fillRef>
-          <a:effectRef idx="0">
-            <a:schemeClr val="accent1"/>
-          </a:effectRef>
-          <a:fontRef idx="minor">
-            <a:schemeClr val="lt1"/>
-          </a:fontRef>
-        </p:style>
-        <p:txBody>
-          <a:bodyPr rtlCol="0" anchor="ctr"/>
-          <a:lstStyle/>
-          <a:p>
-            <a:r>
-              <a:rPr lang="en-IN" sz="1400" dirty="0" err="1" smtClean="0">
-                <a:solidFill>
-                  <a:schemeClr val="tx1"/>
-                </a:solidFill>
-              </a:rPr>
-              <a:t>img</a:t>
-            </a:r>
-            <a:r>
-              <a:rPr lang="en-IN" sz="1400" dirty="0" smtClean="0">
-                <a:solidFill>
-                  <a:schemeClr val="tx1"/>
-                </a:solidFill>
-              </a:rPr>
-              <a:t> {</a:t>
-            </a:r>
-            <a:br>
-              <a:rPr lang="en-IN" sz="1400" dirty="0" smtClean="0">
-                <a:solidFill>
-                  <a:schemeClr val="tx1"/>
-                </a:solidFill>
-              </a:rPr>
-            </a:br>
-            <a:r>
-              <a:rPr lang="en-IN" sz="1400" dirty="0" smtClean="0">
-                <a:solidFill>
-                  <a:schemeClr val="tx1"/>
-                </a:solidFill>
-              </a:rPr>
-              <a:t>  float: right;</a:t>
-            </a:r>
-            <a:br>
-              <a:rPr lang="en-IN" sz="1400" dirty="0" smtClean="0">
-                <a:solidFill>
-                  <a:schemeClr val="tx1"/>
-                </a:solidFill>
-              </a:rPr>
-            </a:br>
-            <a:r>
-              <a:rPr lang="en-IN" sz="1400" dirty="0" smtClean="0">
-                <a:solidFill>
-                  <a:schemeClr val="tx1"/>
-                </a:solidFill>
-              </a:rPr>
-              <a:t>}</a:t>
-            </a:r>
-            <a:endParaRPr lang="en-US" sz="1400" dirty="0">
-              <a:solidFill>
-                <a:schemeClr val="tx1"/>
-              </a:solidFill>
-            </a:endParaRPr>
-          </a:p>
-        </p:txBody>
-      </p:sp>
-      <p:pic>
-        <p:nvPicPr>
-          <p:cNvPr id="2053" name="Picture 5"/>
-          <p:cNvPicPr>
-            <a:picLocks noChangeAspect="1" noChangeArrowheads="1"/>
-          </p:cNvPicPr>
-          <p:nvPr/>
-        </p:nvPicPr>
-        <p:blipFill>
-          <a:blip r:embed="rId2"/>
-          <a:srcRect/>
-          <a:stretch>
-            <a:fillRect/>
-          </a:stretch>
-        </p:blipFill>
-        <p:spPr bwMode="auto">
-          <a:xfrm>
-            <a:off x="4925835" y="1491448"/>
-            <a:ext cx="7003784" cy="971113"/>
-          </a:xfrm>
-          <a:prstGeom prst="rect">
-            <a:avLst/>
-          </a:prstGeom>
-          <a:noFill/>
-          <a:ln w="9525">
-            <a:noFill/>
-            <a:miter lim="800000"/>
-            <a:headEnd/>
-            <a:tailEnd/>
-          </a:ln>
-          <a:effectLst/>
-        </p:spPr>
-      </p:pic>
-      <p:pic>
-        <p:nvPicPr>
-          <p:cNvPr id="2054" name="Picture 6"/>
-          <p:cNvPicPr>
-            <a:picLocks noChangeAspect="1" noChangeArrowheads="1"/>
-          </p:cNvPicPr>
-          <p:nvPr/>
-        </p:nvPicPr>
-        <p:blipFill>
-          <a:blip r:embed="rId3"/>
-          <a:srcRect/>
-          <a:stretch>
-            <a:fillRect/>
-          </a:stretch>
-        </p:blipFill>
-        <p:spPr bwMode="auto">
-          <a:xfrm>
-            <a:off x="5035304" y="2716104"/>
-            <a:ext cx="6999768" cy="923740"/>
-          </a:xfrm>
-          <a:prstGeom prst="rect">
-            <a:avLst/>
-          </a:prstGeom>
-          <a:noFill/>
-          <a:ln w="9525">
-            <a:noFill/>
-            <a:miter lim="800000"/>
-            <a:headEnd/>
-            <a:tailEnd/>
-          </a:ln>
-          <a:effectLst/>
-        </p:spPr>
-      </p:pic>
-      <p:pic>
-        <p:nvPicPr>
-          <p:cNvPr id="2055" name="Picture 7"/>
-          <p:cNvPicPr>
-            <a:picLocks noChangeAspect="1" noChangeArrowheads="1"/>
-          </p:cNvPicPr>
-          <p:nvPr/>
-        </p:nvPicPr>
-        <p:blipFill>
-          <a:blip r:embed="rId4"/>
-          <a:srcRect/>
-          <a:stretch>
-            <a:fillRect/>
-          </a:stretch>
-        </p:blipFill>
-        <p:spPr bwMode="auto">
-          <a:xfrm>
-            <a:off x="5069149" y="3856522"/>
-            <a:ext cx="6892307" cy="1501015"/>
-          </a:xfrm>
-          <a:prstGeom prst="rect">
-            <a:avLst/>
-          </a:prstGeom>
-          <a:noFill/>
-          <a:ln w="9525">
-            <a:noFill/>
-            <a:miter lim="800000"/>
-            <a:headEnd/>
-            <a:tailEnd/>
-          </a:ln>
-          <a:effectLst/>
-        </p:spPr>
-      </p:pic>
-      <p:sp>
-        <p:nvSpPr>
-          <p:cNvPr id="17" name="Rectangle 16">
-            <a:extLst>
-              <a:ext uri="{FF2B5EF4-FFF2-40B4-BE49-F238E27FC236}">
-                <a16:creationId xmlns:a16="http://schemas.microsoft.com/office/drawing/2014/main" xmlns="" id="{206016ED-72BE-418C-807D-52DC06FF490C}"/>
-              </a:ext>
-            </a:extLst>
-          </p:cNvPr>
-          <p:cNvSpPr/>
-          <p:nvPr/>
-        </p:nvSpPr>
-        <p:spPr>
-          <a:xfrm>
-            <a:off x="1538704" y="4217367"/>
-            <a:ext cx="2584946" cy="754129"/>
-          </a:xfrm>
-          <a:prstGeom prst="rect">
-            <a:avLst/>
-          </a:prstGeom>
-          <a:gradFill flip="none" rotWithShape="1">
-            <a:gsLst>
-              <a:gs pos="0">
-                <a:schemeClr val="bg2"/>
-              </a:gs>
-              <a:gs pos="50000">
-                <a:schemeClr val="accent3">
-                  <a:lumMod val="20000"/>
-                  <a:lumOff val="80000"/>
-                  <a:shade val="67500"/>
-                  <a:satMod val="115000"/>
-                </a:schemeClr>
-              </a:gs>
-              <a:gs pos="100000">
-                <a:schemeClr val="accent3">
-                  <a:lumMod val="20000"/>
-                  <a:lumOff val="80000"/>
-                  <a:shade val="100000"/>
-                  <a:satMod val="115000"/>
-                </a:schemeClr>
-              </a:gs>
-            </a:gsLst>
-            <a:lin ang="6600000" scaled="0"/>
-            <a:tileRect/>
-          </a:gradFill>
-          <a:ln>
-            <a:solidFill>
-              <a:schemeClr val="tx1">
-                <a:lumMod val="50000"/>
-                <a:lumOff val="50000"/>
-              </a:schemeClr>
-            </a:solidFill>
-          </a:ln>
-        </p:spPr>
-        <p:style>
-          <a:lnRef idx="2">
-            <a:schemeClr val="accent1">
-              <a:shade val="50000"/>
-            </a:schemeClr>
-          </a:lnRef>
-          <a:fillRef idx="1">
-            <a:schemeClr val="accent1"/>
-          </a:fillRef>
-          <a:effectRef idx="0">
-            <a:schemeClr val="accent1"/>
-          </a:effectRef>
-          <a:fontRef idx="minor">
-            <a:schemeClr val="lt1"/>
-          </a:fontRef>
-        </p:style>
-        <p:txBody>
-          <a:bodyPr rtlCol="0" anchor="ctr"/>
-          <a:lstStyle/>
-          <a:p>
-            <a:r>
-              <a:rPr lang="en-IN" sz="1400" dirty="0" err="1" smtClean="0">
-                <a:solidFill>
-                  <a:schemeClr val="tx1"/>
-                </a:solidFill>
-              </a:rPr>
-              <a:t>img</a:t>
-            </a:r>
-            <a:r>
-              <a:rPr lang="en-IN" sz="1400" dirty="0" smtClean="0">
-                <a:solidFill>
-                  <a:schemeClr val="tx1"/>
-                </a:solidFill>
-              </a:rPr>
-              <a:t> {</a:t>
-            </a:r>
-            <a:br>
-              <a:rPr lang="en-IN" sz="1400" dirty="0" smtClean="0">
-                <a:solidFill>
-                  <a:schemeClr val="tx1"/>
-                </a:solidFill>
-              </a:rPr>
-            </a:br>
-            <a:r>
-              <a:rPr lang="en-IN" sz="1400" dirty="0" smtClean="0">
-                <a:solidFill>
-                  <a:schemeClr val="tx1"/>
-                </a:solidFill>
-              </a:rPr>
-              <a:t>  float: none;</a:t>
-            </a:r>
-            <a:br>
-              <a:rPr lang="en-IN" sz="1400" dirty="0" smtClean="0">
-                <a:solidFill>
-                  <a:schemeClr val="tx1"/>
-                </a:solidFill>
-              </a:rPr>
-            </a:br>
-            <a:r>
-              <a:rPr lang="en-IN" sz="1400" dirty="0" smtClean="0">
-                <a:solidFill>
-                  <a:schemeClr val="tx1"/>
-                </a:solidFill>
-              </a:rPr>
-              <a:t>}</a:t>
-            </a:r>
-            <a:endParaRPr lang="en-US" sz="1400" dirty="0">
-              <a:solidFill>
-                <a:schemeClr val="tx1"/>
-              </a:solidFill>
-            </a:endParaRPr>
-          </a:p>
-        </p:txBody>
-      </p:sp>
-      <p:sp>
-        <p:nvSpPr>
-          <p:cNvPr id="18" name="Right Arrow 17"/>
-          <p:cNvSpPr/>
-          <p:nvPr/>
-        </p:nvSpPr>
-        <p:spPr>
-          <a:xfrm>
-            <a:off x="4412202" y="1917577"/>
-            <a:ext cx="443883" cy="142042"/>
-          </a:xfrm>
-          <a:prstGeom prst="rightArrow">
-            <a:avLst/>
-          </a:prstGeom>
-        </p:spPr>
-        <p:style>
-          <a:lnRef idx="2">
-            <a:schemeClr val="accent1">
-              <a:shade val="50000"/>
-            </a:schemeClr>
-          </a:lnRef>
-          <a:fillRef idx="1">
-            <a:schemeClr val="accent1"/>
-          </a:fillRef>
-          <a:effectRef idx="0">
-            <a:schemeClr val="accent1"/>
-          </a:effectRef>
-          <a:fontRef idx="minor">
-            <a:schemeClr val="lt1"/>
-          </a:fontRef>
-        </p:style>
-        <p:txBody>
-          <a:bodyPr rtlCol="0" anchor="ctr"/>
-          <a:lstStyle/>
-          <a:p>
-            <a:pPr algn="ctr"/>
-            <a:endParaRPr lang="en-US"/>
-          </a:p>
-        </p:txBody>
-      </p:sp>
-      <p:sp>
-        <p:nvSpPr>
-          <p:cNvPr id="19" name="Right Arrow 18"/>
-          <p:cNvSpPr/>
-          <p:nvPr/>
-        </p:nvSpPr>
-        <p:spPr>
-          <a:xfrm>
-            <a:off x="4404802" y="3108665"/>
-            <a:ext cx="443883" cy="142042"/>
-          </a:xfrm>
-          <a:prstGeom prst="rightArrow">
-            <a:avLst/>
-          </a:prstGeom>
-        </p:spPr>
-        <p:style>
-          <a:lnRef idx="2">
-            <a:schemeClr val="accent1">
-              <a:shade val="50000"/>
-            </a:schemeClr>
-          </a:lnRef>
-          <a:fillRef idx="1">
-            <a:schemeClr val="accent1"/>
-          </a:fillRef>
-          <a:effectRef idx="0">
-            <a:schemeClr val="accent1"/>
-          </a:effectRef>
-          <a:fontRef idx="minor">
-            <a:schemeClr val="lt1"/>
-          </a:fontRef>
-        </p:style>
-        <p:txBody>
-          <a:bodyPr rtlCol="0" anchor="ctr"/>
-          <a:lstStyle/>
-          <a:p>
-            <a:pPr algn="ctr"/>
-            <a:endParaRPr lang="en-US"/>
-          </a:p>
-        </p:txBody>
-      </p:sp>
-      <p:sp>
-        <p:nvSpPr>
-          <p:cNvPr id="20" name="Right Arrow 19"/>
-          <p:cNvSpPr/>
-          <p:nvPr/>
-        </p:nvSpPr>
-        <p:spPr>
-          <a:xfrm>
-            <a:off x="4387048" y="4493581"/>
-            <a:ext cx="443883" cy="142042"/>
-          </a:xfrm>
-          <a:prstGeom prst="rightArrow">
-            <a:avLst/>
-          </a:prstGeom>
-        </p:spPr>
-        <p:style>
-          <a:lnRef idx="2">
-            <a:schemeClr val="accent1">
-              <a:shade val="50000"/>
-            </a:schemeClr>
-          </a:lnRef>
-          <a:fillRef idx="1">
-            <a:schemeClr val="accent1"/>
-          </a:fillRef>
-          <a:effectRef idx="0">
-            <a:schemeClr val="accent1"/>
-          </a:effectRef>
-          <a:fontRef idx="minor">
-            <a:schemeClr val="lt1"/>
-          </a:fontRef>
-        </p:style>
-        <p:txBody>
-          <a:bodyPr rtlCol="0" anchor="ctr"/>
-          <a:lstStyle/>
-          <a:p>
-            <a:pPr algn="ctr"/>
-            <a:endParaRPr lang="en-US"/>
-          </a:p>
-        </p:txBody>
-      </p:sp>
-      <p:sp>
-        <p:nvSpPr>
-          <p:cNvPr id="21" name="Rectangle 20"/>
-          <p:cNvSpPr/>
-          <p:nvPr/>
-        </p:nvSpPr>
-        <p:spPr>
-          <a:xfrm>
-            <a:off x="4998128" y="1411550"/>
-            <a:ext cx="7031115" cy="1118586"/>
-          </a:xfrm>
-          <a:prstGeom prst="rect">
-            <a:avLst/>
-          </a:prstGeom>
-          <a:noFill/>
-        </p:spPr>
-        <p:style>
-          <a:lnRef idx="2">
-            <a:schemeClr val="accent1">
-              <a:shade val="50000"/>
-            </a:schemeClr>
-          </a:lnRef>
-          <a:fillRef idx="1">
-            <a:schemeClr val="accent1"/>
-          </a:fillRef>
-          <a:effectRef idx="0">
-            <a:schemeClr val="accent1"/>
-          </a:effectRef>
-          <a:fontRef idx="minor">
-            <a:schemeClr val="lt1"/>
-          </a:fontRef>
-        </p:style>
-        <p:txBody>
-          <a:bodyPr rtlCol="0" anchor="ctr"/>
-          <a:lstStyle/>
-          <a:p>
-            <a:pPr algn="ctr"/>
-            <a:endParaRPr lang="en-US"/>
-          </a:p>
-        </p:txBody>
-      </p:sp>
-      <p:sp>
-        <p:nvSpPr>
-          <p:cNvPr id="22" name="Rectangle 21"/>
-          <p:cNvSpPr/>
-          <p:nvPr/>
-        </p:nvSpPr>
-        <p:spPr>
-          <a:xfrm>
-            <a:off x="4998128" y="2698812"/>
-            <a:ext cx="7039992" cy="985421"/>
-          </a:xfrm>
-          <a:prstGeom prst="rect">
-            <a:avLst/>
-          </a:prstGeom>
-          <a:noFill/>
-        </p:spPr>
-        <p:style>
-          <a:lnRef idx="2">
-            <a:schemeClr val="accent1">
-              <a:shade val="50000"/>
-            </a:schemeClr>
-          </a:lnRef>
-          <a:fillRef idx="1">
-            <a:schemeClr val="accent1"/>
-          </a:fillRef>
-          <a:effectRef idx="0">
-            <a:schemeClr val="accent1"/>
-          </a:effectRef>
-          <a:fontRef idx="minor">
-            <a:schemeClr val="lt1"/>
-          </a:fontRef>
-        </p:style>
-        <p:txBody>
-          <a:bodyPr rtlCol="0" anchor="ctr"/>
-          <a:lstStyle/>
-          <a:p>
-            <a:pPr algn="ctr"/>
-            <a:endParaRPr lang="en-US"/>
-          </a:p>
-        </p:txBody>
-      </p:sp>
-      <p:sp>
-        <p:nvSpPr>
-          <p:cNvPr id="23" name="Rectangle 22"/>
-          <p:cNvSpPr/>
-          <p:nvPr/>
-        </p:nvSpPr>
-        <p:spPr>
-          <a:xfrm>
-            <a:off x="4998128" y="3808520"/>
-            <a:ext cx="7057748" cy="1447061"/>
-          </a:xfrm>
-          <a:prstGeom prst="rect">
-            <a:avLst/>
-          </a:prstGeom>
-          <a:noFill/>
-        </p:spPr>
-        <p:style>
-          <a:lnRef idx="2">
-            <a:schemeClr val="accent1">
-              <a:shade val="50000"/>
-            </a:schemeClr>
-          </a:lnRef>
-          <a:fillRef idx="1">
-            <a:schemeClr val="accent1"/>
-          </a:fillRef>
-          <a:effectRef idx="0">
-            <a:schemeClr val="accent1"/>
-          </a:effectRef>
-          <a:fontRef idx="minor">
-            <a:schemeClr val="lt1"/>
-          </a:fontRef>
-        </p:style>
-        <p:txBody>
-          <a:bodyPr rtlCol="0" anchor="ctr"/>
-          <a:lstStyle/>
-          <a:p>
-            <a:pPr algn="ctr"/>
-            <a:endParaRPr lang="en-US"/>
-          </a:p>
-        </p:txBody>
-      </p:sp>
-    </p:spTree>
-    <p:extLst>
-      <p:ext uri="{BB962C8B-B14F-4D97-AF65-F5344CB8AC3E}">
-        <p14:creationId xmlns:p14="http://schemas.microsoft.com/office/powerpoint/2010/main" xmlns="" val="2848728424"/>
-      </p:ext>
-    </p:extLst>
-  </p:cSld>
-  <p:clrMapOvr>
-    <a:masterClrMapping/>
-  </p:clrMapOvr>
-  <p:timing>
-    <p:tnLst>
-      <p:par>
-        <p:cTn id="1" dur="indefinite" restart="never" nodeType="tmRoot"/>
-      </p:par>
-    </p:tnLst>
-  </p:timing>
-</p:sld>
-</file>
-
-<file path=ppt/slides/slide17.xml><?xml version="1.0" encoding="utf-8"?>
-<p:sld xmlns:a="http://schemas.openxmlformats.org/drawingml/2006/main" xmlns:r="http://schemas.openxmlformats.org/officeDocument/2006/relationships" xmlns:p="http://schemas.openxmlformats.org/presentationml/2006/main">
-  <p:cSld>
-    <p:spTree>
-      <p:nvGrpSpPr>
-        <p:cNvPr id="1" name=""/>
-        <p:cNvGrpSpPr/>
-        <p:nvPr/>
-      </p:nvGrpSpPr>
-      <p:grpSpPr>
-        <a:xfrm>
-          <a:off x="0" y="0"/>
-          <a:ext cx="0" cy="0"/>
-          <a:chOff x="0" y="0"/>
-          <a:chExt cx="0" cy="0"/>
-        </a:xfrm>
-      </p:grpSpPr>
-      <p:sp>
-        <p:nvSpPr>
-          <p:cNvPr id="14" name="Rectangle 13"/>
-          <p:cNvSpPr/>
-          <p:nvPr/>
-        </p:nvSpPr>
-        <p:spPr>
-          <a:xfrm>
-            <a:off x="462834" y="661929"/>
-            <a:ext cx="10811891" cy="5078313"/>
-          </a:xfrm>
-          <a:prstGeom prst="rect">
-            <a:avLst/>
-          </a:prstGeom>
-        </p:spPr>
-        <p:txBody>
-          <a:bodyPr wrap="square">
-            <a:spAutoFit/>
-          </a:bodyPr>
-          <a:lstStyle/>
-          <a:p>
-            <a:pPr marL="285750" indent="-285750">
-              <a:lnSpc>
-                <a:spcPct val="150000"/>
-              </a:lnSpc>
-              <a:buFont typeface="Arial" pitchFamily="34" charset="0"/>
-              <a:buChar char="•"/>
-            </a:pPr>
-            <a:r>
-              <a:rPr lang="en-US" dirty="0" smtClean="0"/>
-              <a:t>Horizontal Navigation bar</a:t>
-            </a:r>
-          </a:p>
-          <a:p>
-            <a:pPr marL="285750" indent="-285750">
-              <a:lnSpc>
-                <a:spcPct val="150000"/>
-              </a:lnSpc>
-              <a:buFont typeface="Arial" pitchFamily="34" charset="0"/>
-              <a:buChar char="•"/>
-            </a:pPr>
-            <a:endParaRPr lang="en-IN" dirty="0" smtClean="0"/>
-          </a:p>
-          <a:p>
-            <a:pPr marL="285750" indent="-285750">
-              <a:lnSpc>
-                <a:spcPct val="150000"/>
-              </a:lnSpc>
-              <a:buFont typeface="Arial" pitchFamily="34" charset="0"/>
-              <a:buChar char="•"/>
-            </a:pPr>
-            <a:endParaRPr lang="en-US" dirty="0" smtClean="0"/>
-          </a:p>
-          <a:p>
-            <a:pPr marL="285750" indent="-285750">
-              <a:lnSpc>
-                <a:spcPct val="150000"/>
-              </a:lnSpc>
-              <a:buFont typeface="Arial" pitchFamily="34" charset="0"/>
-              <a:buChar char="•"/>
-            </a:pPr>
-            <a:endParaRPr lang="en-US" dirty="0" smtClean="0"/>
-          </a:p>
-          <a:p>
-            <a:pPr marL="285750" indent="-285750">
-              <a:lnSpc>
-                <a:spcPct val="150000"/>
-              </a:lnSpc>
-              <a:buFont typeface="Arial" pitchFamily="34" charset="0"/>
-              <a:buChar char="•"/>
-            </a:pPr>
-            <a:endParaRPr lang="en-US" dirty="0" smtClean="0"/>
-          </a:p>
-          <a:p>
-            <a:pPr marL="285750" indent="-285750">
-              <a:lnSpc>
-                <a:spcPct val="150000"/>
-              </a:lnSpc>
-            </a:pPr>
-            <a:endParaRPr lang="en-IN" dirty="0" smtClean="0"/>
-          </a:p>
-          <a:p>
-            <a:pPr marL="285750" indent="-285750">
-              <a:lnSpc>
-                <a:spcPct val="150000"/>
-              </a:lnSpc>
-              <a:buFont typeface="Arial" pitchFamily="34" charset="0"/>
-              <a:buChar char="•"/>
-            </a:pPr>
-            <a:endParaRPr lang="en-IN" dirty="0" smtClean="0"/>
-          </a:p>
-          <a:p>
-            <a:pPr marL="285750" indent="-285750">
-              <a:lnSpc>
-                <a:spcPct val="150000"/>
-              </a:lnSpc>
-            </a:pPr>
-            <a:endParaRPr lang="en-IN" dirty="0" smtClean="0"/>
-          </a:p>
-          <a:p>
-            <a:pPr marL="285750" indent="-285750">
-              <a:lnSpc>
-                <a:spcPct val="150000"/>
-              </a:lnSpc>
-            </a:pPr>
-            <a:endParaRPr lang="en-US" dirty="0" smtClean="0"/>
-          </a:p>
-          <a:p>
-            <a:pPr marL="285750" indent="-285750">
-              <a:lnSpc>
-                <a:spcPct val="150000"/>
-              </a:lnSpc>
-            </a:pPr>
-            <a:endParaRPr lang="en-US" dirty="0" smtClean="0"/>
-          </a:p>
-          <a:p>
-            <a:pPr marL="285750" indent="-285750">
-              <a:lnSpc>
-                <a:spcPct val="150000"/>
-              </a:lnSpc>
-            </a:pPr>
-            <a:endParaRPr lang="en-US" dirty="0" smtClean="0"/>
-          </a:p>
-          <a:p>
-            <a:pPr marL="285750" indent="-285750">
-              <a:lnSpc>
-                <a:spcPct val="150000"/>
-              </a:lnSpc>
-            </a:pPr>
-            <a:endParaRPr lang="en-US" dirty="0" smtClean="0"/>
-          </a:p>
-        </p:txBody>
-      </p:sp>
-      <p:sp>
-        <p:nvSpPr>
-          <p:cNvPr id="4" name="Content Placeholder 13"/>
-          <p:cNvSpPr txBox="1">
-            <a:spLocks/>
-          </p:cNvSpPr>
-          <p:nvPr/>
-        </p:nvSpPr>
-        <p:spPr>
-          <a:xfrm>
-            <a:off x="321126" y="135993"/>
-            <a:ext cx="9791700" cy="630192"/>
-          </a:xfrm>
-          <a:prstGeom prst="rect">
-            <a:avLst/>
-          </a:prstGeom>
-        </p:spPr>
-        <p:txBody>
-          <a:bodyPr vert="horz" lIns="91440" tIns="45720" rIns="91440" bIns="45720" rtlCol="0">
-            <a:noAutofit/>
-          </a:bodyPr>
-          <a:lstStyle>
-            <a:lvl1pPr marL="0" indent="0" algn="ctr" defTabSz="914400" rtl="0" eaLnBrk="1" latinLnBrk="0" hangingPunct="1">
-              <a:lnSpc>
-                <a:spcPct val="90000"/>
-              </a:lnSpc>
-              <a:spcBef>
-                <a:spcPts val="1000"/>
-              </a:spcBef>
-              <a:buFont typeface="Arial" panose="020B0604020202020204" pitchFamily="34" charset="0"/>
-              <a:buNone/>
-              <a:defRPr kumimoji="1" sz="2400" kern="1200">
-                <a:solidFill>
-                  <a:schemeClr val="tx1"/>
-                </a:solidFill>
-                <a:latin typeface="+mn-lt"/>
-                <a:ea typeface="+mn-ea"/>
-                <a:cs typeface="+mn-cs"/>
-              </a:defRPr>
-            </a:lvl1pPr>
-            <a:lvl2pPr marL="457200" indent="0" algn="ctr" defTabSz="914400" rtl="0" eaLnBrk="1" latinLnBrk="0" hangingPunct="1">
-              <a:lnSpc>
-                <a:spcPct val="90000"/>
-              </a:lnSpc>
-              <a:spcBef>
-                <a:spcPts val="500"/>
-              </a:spcBef>
-              <a:buFont typeface="Arial" panose="020B0604020202020204" pitchFamily="34" charset="0"/>
-              <a:buNone/>
-              <a:defRPr kumimoji="1" sz="2000" kern="1200">
-                <a:solidFill>
-                  <a:schemeClr val="tx1"/>
-                </a:solidFill>
-                <a:latin typeface="+mn-lt"/>
-                <a:ea typeface="+mn-ea"/>
-                <a:cs typeface="+mn-cs"/>
-              </a:defRPr>
-            </a:lvl2pPr>
-            <a:lvl3pPr marL="914400" indent="0" algn="ctr" defTabSz="914400" rtl="0" eaLnBrk="1" latinLnBrk="0" hangingPunct="1">
-              <a:lnSpc>
-                <a:spcPct val="90000"/>
-              </a:lnSpc>
-              <a:spcBef>
-                <a:spcPts val="500"/>
-              </a:spcBef>
-              <a:buFont typeface="Arial" panose="020B0604020202020204" pitchFamily="34" charset="0"/>
-              <a:buNone/>
-              <a:defRPr kumimoji="1" sz="1800" kern="1200">
-                <a:solidFill>
-                  <a:schemeClr val="tx1"/>
-                </a:solidFill>
-                <a:latin typeface="+mn-lt"/>
-                <a:ea typeface="+mn-ea"/>
-                <a:cs typeface="+mn-cs"/>
-              </a:defRPr>
-            </a:lvl3pPr>
-            <a:lvl4pPr marL="1371600" indent="0" algn="ctr" defTabSz="914400" rtl="0" eaLnBrk="1" latinLnBrk="0" hangingPunct="1">
-              <a:lnSpc>
-                <a:spcPct val="90000"/>
-              </a:lnSpc>
-              <a:spcBef>
-                <a:spcPts val="500"/>
-              </a:spcBef>
-              <a:buFont typeface="Arial" panose="020B0604020202020204" pitchFamily="34" charset="0"/>
-              <a:buNone/>
-              <a:defRPr kumimoji="1" sz="1600" kern="1200">
-                <a:solidFill>
-                  <a:schemeClr val="tx1"/>
-                </a:solidFill>
-                <a:latin typeface="+mn-lt"/>
-                <a:ea typeface="+mn-ea"/>
-                <a:cs typeface="+mn-cs"/>
-              </a:defRPr>
-            </a:lvl4pPr>
-            <a:lvl5pPr marL="1828800" indent="0" algn="ctr" defTabSz="914400" rtl="0" eaLnBrk="1" latinLnBrk="0" hangingPunct="1">
-              <a:lnSpc>
-                <a:spcPct val="90000"/>
-              </a:lnSpc>
-              <a:spcBef>
-                <a:spcPts val="500"/>
-              </a:spcBef>
-              <a:buFont typeface="Arial" panose="020B0604020202020204" pitchFamily="34" charset="0"/>
-              <a:buNone/>
-              <a:defRPr kumimoji="1" sz="1600" kern="1200">
-                <a:solidFill>
-                  <a:schemeClr val="tx1"/>
-                </a:solidFill>
-                <a:latin typeface="+mn-lt"/>
-                <a:ea typeface="+mn-ea"/>
-                <a:cs typeface="+mn-cs"/>
-              </a:defRPr>
-            </a:lvl5pPr>
-            <a:lvl6pPr marL="2286000" indent="0" algn="ctr" defTabSz="914400" rtl="0" eaLnBrk="1" latinLnBrk="0" hangingPunct="1">
-              <a:lnSpc>
-                <a:spcPct val="90000"/>
-              </a:lnSpc>
-              <a:spcBef>
-                <a:spcPts val="500"/>
-              </a:spcBef>
-              <a:buFont typeface="Arial" panose="020B0604020202020204" pitchFamily="34" charset="0"/>
-              <a:buNone/>
-              <a:defRPr kumimoji="1" sz="1600" kern="1200">
-                <a:solidFill>
-                  <a:schemeClr val="tx1"/>
-                </a:solidFill>
-                <a:latin typeface="+mn-lt"/>
-                <a:ea typeface="+mn-ea"/>
-                <a:cs typeface="+mn-cs"/>
-              </a:defRPr>
-            </a:lvl6pPr>
-            <a:lvl7pPr marL="2743200" indent="0" algn="ctr" defTabSz="914400" rtl="0" eaLnBrk="1" latinLnBrk="0" hangingPunct="1">
-              <a:lnSpc>
-                <a:spcPct val="90000"/>
-              </a:lnSpc>
-              <a:spcBef>
-                <a:spcPts val="500"/>
-              </a:spcBef>
-              <a:buFont typeface="Arial" panose="020B0604020202020204" pitchFamily="34" charset="0"/>
-              <a:buNone/>
-              <a:defRPr kumimoji="1" sz="1600" kern="1200">
-                <a:solidFill>
-                  <a:schemeClr val="tx1"/>
-                </a:solidFill>
-                <a:latin typeface="+mn-lt"/>
-                <a:ea typeface="+mn-ea"/>
-                <a:cs typeface="+mn-cs"/>
-              </a:defRPr>
-            </a:lvl7pPr>
-            <a:lvl8pPr marL="3200400" indent="0" algn="ctr" defTabSz="914400" rtl="0" eaLnBrk="1" latinLnBrk="0" hangingPunct="1">
-              <a:lnSpc>
-                <a:spcPct val="90000"/>
-              </a:lnSpc>
-              <a:spcBef>
-                <a:spcPts val="500"/>
-              </a:spcBef>
-              <a:buFont typeface="Arial" panose="020B0604020202020204" pitchFamily="34" charset="0"/>
-              <a:buNone/>
-              <a:defRPr kumimoji="1" sz="1600" kern="1200">
-                <a:solidFill>
-                  <a:schemeClr val="tx1"/>
-                </a:solidFill>
-                <a:latin typeface="+mn-lt"/>
-                <a:ea typeface="+mn-ea"/>
-                <a:cs typeface="+mn-cs"/>
-              </a:defRPr>
-            </a:lvl8pPr>
-            <a:lvl9pPr marL="3657600" indent="0" algn="ctr" defTabSz="914400" rtl="0" eaLnBrk="1" latinLnBrk="0" hangingPunct="1">
-              <a:lnSpc>
-                <a:spcPct val="90000"/>
-              </a:lnSpc>
-              <a:spcBef>
-                <a:spcPts val="500"/>
-              </a:spcBef>
-              <a:buFont typeface="Arial" panose="020B0604020202020204" pitchFamily="34" charset="0"/>
-              <a:buNone/>
-              <a:defRPr kumimoji="1" sz="1600" kern="1200">
-                <a:solidFill>
-                  <a:schemeClr val="tx1"/>
-                </a:solidFill>
-                <a:latin typeface="+mn-lt"/>
-                <a:ea typeface="+mn-ea"/>
-                <a:cs typeface="+mn-cs"/>
-              </a:defRPr>
-            </a:lvl9pPr>
-          </a:lstStyle>
-          <a:p>
-            <a:pPr algn="l"/>
-            <a:r>
-              <a:rPr lang="en-US" sz="3600" b="1" dirty="0" smtClean="0">
-                <a:solidFill>
-                  <a:srgbClr val="0064B5"/>
-                </a:solidFill>
-              </a:rPr>
-              <a:t>CSS – Navigation using List</a:t>
-            </a:r>
-          </a:p>
-        </p:txBody>
-      </p:sp>
-      <p:sp>
-        <p:nvSpPr>
-          <p:cNvPr id="15" name="Rectangle 14">
-            <a:extLst>
-              <a:ext uri="{FF2B5EF4-FFF2-40B4-BE49-F238E27FC236}">
-                <a16:creationId xmlns:a16="http://schemas.microsoft.com/office/drawing/2014/main" xmlns="" id="{206016ED-72BE-418C-807D-52DC06FF490C}"/>
-              </a:ext>
-            </a:extLst>
-          </p:cNvPr>
-          <p:cNvSpPr/>
-          <p:nvPr/>
-        </p:nvSpPr>
-        <p:spPr>
-          <a:xfrm>
-            <a:off x="465930" y="1337097"/>
-            <a:ext cx="3657496" cy="3157265"/>
-          </a:xfrm>
-          <a:prstGeom prst="rect">
-            <a:avLst/>
-          </a:prstGeom>
-          <a:gradFill flip="none" rotWithShape="1">
-            <a:gsLst>
-              <a:gs pos="0">
-                <a:schemeClr val="bg2"/>
-              </a:gs>
-              <a:gs pos="50000">
-                <a:schemeClr val="accent3">
-                  <a:lumMod val="20000"/>
-                  <a:lumOff val="80000"/>
-                  <a:shade val="67500"/>
-                  <a:satMod val="115000"/>
-                </a:schemeClr>
-              </a:gs>
-              <a:gs pos="100000">
-                <a:schemeClr val="accent3">
-                  <a:lumMod val="20000"/>
-                  <a:lumOff val="80000"/>
-                  <a:shade val="100000"/>
-                  <a:satMod val="115000"/>
-                </a:schemeClr>
-              </a:gs>
-            </a:gsLst>
-            <a:lin ang="6600000" scaled="0"/>
-            <a:tileRect/>
-          </a:gradFill>
-          <a:ln>
-            <a:solidFill>
-              <a:schemeClr val="tx1">
-                <a:lumMod val="50000"/>
-                <a:lumOff val="50000"/>
-              </a:schemeClr>
-            </a:solidFill>
-          </a:ln>
-        </p:spPr>
-        <p:style>
-          <a:lnRef idx="2">
-            <a:schemeClr val="accent1">
-              <a:shade val="50000"/>
-            </a:schemeClr>
-          </a:lnRef>
-          <a:fillRef idx="1">
-            <a:schemeClr val="accent1"/>
-          </a:fillRef>
-          <a:effectRef idx="0">
-            <a:schemeClr val="accent1"/>
-          </a:effectRef>
-          <a:fontRef idx="minor">
-            <a:schemeClr val="lt1"/>
-          </a:fontRef>
-        </p:style>
-        <p:txBody>
-          <a:bodyPr rtlCol="0" anchor="ctr"/>
-          <a:lstStyle/>
-          <a:p>
-            <a:r>
-              <a:rPr lang="it-IT" sz="1400" dirty="0" smtClean="0">
-                <a:solidFill>
-                  <a:schemeClr val="tx1"/>
-                </a:solidFill>
-              </a:rPr>
-              <a:t>&lt;ul&gt;</a:t>
-            </a:r>
-            <a:br>
-              <a:rPr lang="it-IT" sz="1400" dirty="0" smtClean="0">
-                <a:solidFill>
-                  <a:schemeClr val="tx1"/>
-                </a:solidFill>
-              </a:rPr>
-            </a:br>
-            <a:r>
-              <a:rPr lang="it-IT" sz="1400" dirty="0" smtClean="0">
-                <a:solidFill>
-                  <a:schemeClr val="tx1"/>
-                </a:solidFill>
-              </a:rPr>
-              <a:t>  &lt;li&gt;&lt;a class="active" href=“home.html"&gt;Home&lt;/a&gt;&lt;/li&gt;</a:t>
-            </a:r>
-            <a:br>
-              <a:rPr lang="it-IT" sz="1400" dirty="0" smtClean="0">
-                <a:solidFill>
-                  <a:schemeClr val="tx1"/>
-                </a:solidFill>
-              </a:rPr>
-            </a:br>
-            <a:r>
-              <a:rPr lang="it-IT" sz="1400" dirty="0" smtClean="0">
-                <a:solidFill>
-                  <a:schemeClr val="tx1"/>
-                </a:solidFill>
-              </a:rPr>
-              <a:t>  &lt;li&gt;&lt;a href=“news.html"&gt;News&lt;/a&gt;&lt;/li&gt;</a:t>
-            </a:r>
-            <a:br>
-              <a:rPr lang="it-IT" sz="1400" dirty="0" smtClean="0">
-                <a:solidFill>
-                  <a:schemeClr val="tx1"/>
-                </a:solidFill>
-              </a:rPr>
-            </a:br>
-            <a:r>
-              <a:rPr lang="it-IT" sz="1400" dirty="0" smtClean="0">
-                <a:solidFill>
-                  <a:schemeClr val="tx1"/>
-                </a:solidFill>
-              </a:rPr>
-              <a:t>  &lt;li&gt;&lt;a href="contact.html"&gt;Contact&lt;/a&gt;&lt;/li&gt;</a:t>
-            </a:r>
-            <a:br>
-              <a:rPr lang="it-IT" sz="1400" dirty="0" smtClean="0">
-                <a:solidFill>
-                  <a:schemeClr val="tx1"/>
-                </a:solidFill>
-              </a:rPr>
-            </a:br>
-            <a:r>
-              <a:rPr lang="it-IT" sz="1400" dirty="0" smtClean="0">
-                <a:solidFill>
-                  <a:schemeClr val="tx1"/>
-                </a:solidFill>
-              </a:rPr>
-              <a:t>  &lt;li&gt;&lt;a href="about.html"&gt;About&lt;/a&gt;&lt;/li&gt;</a:t>
-            </a:r>
-            <a:br>
-              <a:rPr lang="it-IT" sz="1400" dirty="0" smtClean="0">
-                <a:solidFill>
-                  <a:schemeClr val="tx1"/>
-                </a:solidFill>
-              </a:rPr>
-            </a:br>
-            <a:r>
-              <a:rPr lang="it-IT" sz="1400" dirty="0" smtClean="0">
-                <a:solidFill>
-                  <a:schemeClr val="tx1"/>
-                </a:solidFill>
-              </a:rPr>
-              <a:t>&lt;/ul&gt;</a:t>
-            </a:r>
-            <a:endParaRPr lang="en-US" sz="1400" dirty="0">
-              <a:solidFill>
-                <a:schemeClr val="tx1"/>
-              </a:solidFill>
-            </a:endParaRPr>
-          </a:p>
-        </p:txBody>
-      </p:sp>
-      <p:sp>
-        <p:nvSpPr>
-          <p:cNvPr id="17" name="Plus 16"/>
-          <p:cNvSpPr/>
-          <p:nvPr/>
-        </p:nvSpPr>
-        <p:spPr>
-          <a:xfrm>
-            <a:off x="4364966" y="2898475"/>
-            <a:ext cx="258792" cy="276045"/>
-          </a:xfrm>
-          <a:prstGeom prst="mathPlus">
-            <a:avLst/>
-          </a:prstGeom>
-        </p:spPr>
-        <p:style>
-          <a:lnRef idx="2">
-            <a:schemeClr val="accent1">
-              <a:shade val="50000"/>
-            </a:schemeClr>
-          </a:lnRef>
-          <a:fillRef idx="1">
-            <a:schemeClr val="accent1"/>
-          </a:fillRef>
-          <a:effectRef idx="0">
-            <a:schemeClr val="accent1"/>
-          </a:effectRef>
-          <a:fontRef idx="minor">
-            <a:schemeClr val="lt1"/>
-          </a:fontRef>
-        </p:style>
-        <p:txBody>
-          <a:bodyPr rtlCol="0" anchor="ctr"/>
-          <a:lstStyle/>
-          <a:p>
-            <a:pPr algn="ctr"/>
-            <a:endParaRPr lang="en-US"/>
-          </a:p>
-        </p:txBody>
-      </p:sp>
-      <p:sp>
-        <p:nvSpPr>
-          <p:cNvPr id="18" name="Rectangle 17"/>
-          <p:cNvSpPr/>
-          <p:nvPr/>
-        </p:nvSpPr>
-        <p:spPr>
-          <a:xfrm>
-            <a:off x="8522878" y="2406771"/>
-            <a:ext cx="3234906" cy="1337094"/>
-          </a:xfrm>
-          <a:prstGeom prst="rect">
-            <a:avLst/>
-          </a:prstGeom>
-          <a:noFill/>
-        </p:spPr>
-        <p:style>
-          <a:lnRef idx="2">
-            <a:schemeClr val="accent1">
-              <a:shade val="50000"/>
-            </a:schemeClr>
-          </a:lnRef>
-          <a:fillRef idx="1">
-            <a:schemeClr val="accent1"/>
-          </a:fillRef>
-          <a:effectRef idx="0">
-            <a:schemeClr val="accent1"/>
-          </a:effectRef>
-          <a:fontRef idx="minor">
-            <a:schemeClr val="lt1"/>
-          </a:fontRef>
-        </p:style>
-        <p:txBody>
-          <a:bodyPr rtlCol="0" anchor="ctr"/>
-          <a:lstStyle/>
-          <a:p>
-            <a:pPr algn="ctr"/>
-            <a:endParaRPr lang="en-US"/>
-          </a:p>
-        </p:txBody>
-      </p:sp>
-      <p:sp>
-        <p:nvSpPr>
-          <p:cNvPr id="19" name="Equal 18"/>
-          <p:cNvSpPr/>
-          <p:nvPr/>
-        </p:nvSpPr>
-        <p:spPr>
-          <a:xfrm>
-            <a:off x="7901796" y="2863969"/>
-            <a:ext cx="276045" cy="232914"/>
-          </a:xfrm>
-          <a:prstGeom prst="mathEqual">
-            <a:avLst/>
-          </a:prstGeom>
-        </p:spPr>
-        <p:style>
-          <a:lnRef idx="2">
-            <a:schemeClr val="accent1">
-              <a:shade val="50000"/>
-            </a:schemeClr>
-          </a:lnRef>
-          <a:fillRef idx="1">
-            <a:schemeClr val="accent1"/>
-          </a:fillRef>
-          <a:effectRef idx="0">
-            <a:schemeClr val="accent1"/>
-          </a:effectRef>
-          <a:fontRef idx="minor">
-            <a:schemeClr val="lt1"/>
-          </a:fontRef>
-        </p:style>
-        <p:txBody>
-          <a:bodyPr rtlCol="0" anchor="ctr"/>
-          <a:lstStyle/>
-          <a:p>
-            <a:pPr algn="ctr"/>
-            <a:endParaRPr lang="en-US">
-              <a:solidFill>
-                <a:schemeClr val="tx1"/>
-              </a:solidFill>
-            </a:endParaRPr>
-          </a:p>
-        </p:txBody>
-      </p:sp>
-      <p:sp>
-        <p:nvSpPr>
-          <p:cNvPr id="21" name="Rectangle 20">
-            <a:extLst>
-              <a:ext uri="{FF2B5EF4-FFF2-40B4-BE49-F238E27FC236}">
-                <a16:creationId xmlns:a16="http://schemas.microsoft.com/office/drawing/2014/main" xmlns="" id="{206016ED-72BE-418C-807D-52DC06FF490C}"/>
-              </a:ext>
-            </a:extLst>
-          </p:cNvPr>
-          <p:cNvSpPr/>
-          <p:nvPr/>
-        </p:nvSpPr>
-        <p:spPr>
-          <a:xfrm>
-            <a:off x="4865400" y="914400"/>
-            <a:ext cx="2855241" cy="4994695"/>
-          </a:xfrm>
-          <a:prstGeom prst="rect">
-            <a:avLst/>
-          </a:prstGeom>
-          <a:gradFill flip="none" rotWithShape="1">
-            <a:gsLst>
-              <a:gs pos="0">
-                <a:schemeClr val="bg2"/>
-              </a:gs>
-              <a:gs pos="50000">
-                <a:schemeClr val="accent3">
-                  <a:lumMod val="20000"/>
-                  <a:lumOff val="80000"/>
-                  <a:shade val="67500"/>
-                  <a:satMod val="115000"/>
-                </a:schemeClr>
-              </a:gs>
-              <a:gs pos="100000">
-                <a:schemeClr val="accent3">
-                  <a:lumMod val="20000"/>
-                  <a:lumOff val="80000"/>
-                  <a:shade val="100000"/>
-                  <a:satMod val="115000"/>
-                </a:schemeClr>
-              </a:gs>
-            </a:gsLst>
-            <a:lin ang="6600000" scaled="0"/>
-            <a:tileRect/>
-          </a:gradFill>
-          <a:ln>
-            <a:solidFill>
-              <a:schemeClr val="tx1">
-                <a:lumMod val="50000"/>
-                <a:lumOff val="50000"/>
-              </a:schemeClr>
-            </a:solidFill>
-          </a:ln>
-        </p:spPr>
-        <p:style>
-          <a:lnRef idx="2">
-            <a:schemeClr val="accent1">
-              <a:shade val="50000"/>
-            </a:schemeClr>
-          </a:lnRef>
-          <a:fillRef idx="1">
-            <a:schemeClr val="accent1"/>
-          </a:fillRef>
-          <a:effectRef idx="0">
-            <a:schemeClr val="accent1"/>
-          </a:effectRef>
-          <a:fontRef idx="minor">
-            <a:schemeClr val="lt1"/>
-          </a:fontRef>
-        </p:style>
-        <p:txBody>
-          <a:bodyPr rtlCol="0" anchor="ctr"/>
-          <a:lstStyle/>
-          <a:p>
-            <a:r>
-              <a:rPr lang="pl-PL" sz="1200" dirty="0" smtClean="0">
-                <a:solidFill>
-                  <a:schemeClr val="tx1"/>
-                </a:solidFill>
-              </a:rPr>
-              <a:t>ul {</a:t>
-            </a:r>
-          </a:p>
-          <a:p>
-            <a:r>
-              <a:rPr lang="pl-PL" sz="1200" dirty="0" smtClean="0">
-                <a:solidFill>
-                  <a:schemeClr val="tx1"/>
-                </a:solidFill>
-              </a:rPr>
-              <a:t>  list-style-type: none;</a:t>
-            </a:r>
-          </a:p>
-          <a:p>
-            <a:r>
-              <a:rPr lang="pl-PL" sz="1200" dirty="0" smtClean="0">
-                <a:solidFill>
-                  <a:schemeClr val="tx1"/>
-                </a:solidFill>
-              </a:rPr>
-              <a:t>  margin: 0;</a:t>
-            </a:r>
-          </a:p>
-          <a:p>
-            <a:r>
-              <a:rPr lang="pl-PL" sz="1200" dirty="0" smtClean="0">
-                <a:solidFill>
-                  <a:schemeClr val="tx1"/>
-                </a:solidFill>
-              </a:rPr>
-              <a:t>  padding: 0;</a:t>
-            </a:r>
-          </a:p>
-          <a:p>
-            <a:r>
-              <a:rPr lang="en-IN" sz="1200" dirty="0" smtClean="0">
-                <a:solidFill>
-                  <a:schemeClr val="tx1"/>
-                </a:solidFill>
-              </a:rPr>
-              <a:t>  </a:t>
-            </a:r>
-            <a:r>
-              <a:rPr lang="pl-PL" sz="1200" dirty="0" smtClean="0">
-                <a:solidFill>
-                  <a:schemeClr val="tx1"/>
-                </a:solidFill>
-              </a:rPr>
-              <a:t>background-color: #E7E9EB;</a:t>
-            </a:r>
-          </a:p>
-          <a:p>
-            <a:r>
-              <a:rPr lang="pl-PL" sz="1200" dirty="0" smtClean="0">
-                <a:solidFill>
-                  <a:schemeClr val="tx1"/>
-                </a:solidFill>
-              </a:rPr>
-              <a:t>}</a:t>
-            </a:r>
-          </a:p>
-          <a:p>
-            <a:endParaRPr lang="pl-PL" sz="1200" dirty="0" smtClean="0">
-              <a:solidFill>
-                <a:schemeClr val="tx1"/>
-              </a:solidFill>
-            </a:endParaRPr>
-          </a:p>
-          <a:p>
-            <a:r>
-              <a:rPr lang="pl-PL" sz="1200" dirty="0" smtClean="0">
-                <a:solidFill>
-                  <a:schemeClr val="tx1"/>
-                </a:solidFill>
-              </a:rPr>
-              <a:t>li {</a:t>
-            </a:r>
-          </a:p>
-          <a:p>
-            <a:r>
-              <a:rPr lang="pl-PL" sz="1200" dirty="0" smtClean="0">
-                <a:solidFill>
-                  <a:schemeClr val="tx1"/>
-                </a:solidFill>
-              </a:rPr>
-              <a:t>  float: left;</a:t>
-            </a:r>
-          </a:p>
-          <a:p>
-            <a:r>
-              <a:rPr lang="pl-PL" sz="1200" dirty="0" smtClean="0">
-                <a:solidFill>
-                  <a:schemeClr val="tx1"/>
-                </a:solidFill>
-              </a:rPr>
-              <a:t>}</a:t>
-            </a:r>
-          </a:p>
-          <a:p>
-            <a:endParaRPr lang="pl-PL" sz="1200" dirty="0" smtClean="0">
-              <a:solidFill>
-                <a:schemeClr val="tx1"/>
-              </a:solidFill>
-            </a:endParaRPr>
-          </a:p>
-          <a:p>
-            <a:r>
-              <a:rPr lang="pl-PL" sz="1200" dirty="0" smtClean="0">
-                <a:solidFill>
-                  <a:schemeClr val="tx1"/>
-                </a:solidFill>
-              </a:rPr>
-              <a:t>li a {</a:t>
-            </a:r>
-          </a:p>
-          <a:p>
-            <a:r>
-              <a:rPr lang="pl-PL" sz="1200" dirty="0" smtClean="0">
-                <a:solidFill>
-                  <a:schemeClr val="tx1"/>
-                </a:solidFill>
-              </a:rPr>
-              <a:t>  display: block;</a:t>
-            </a:r>
-          </a:p>
-          <a:p>
-            <a:r>
-              <a:rPr lang="pl-PL" sz="1200" dirty="0" smtClean="0">
-                <a:solidFill>
-                  <a:schemeClr val="tx1"/>
-                </a:solidFill>
-              </a:rPr>
-              <a:t>  color: black;</a:t>
-            </a:r>
-          </a:p>
-          <a:p>
-            <a:r>
-              <a:rPr lang="pl-PL" sz="1200" dirty="0" smtClean="0">
-                <a:solidFill>
-                  <a:schemeClr val="tx1"/>
-                </a:solidFill>
-              </a:rPr>
-              <a:t>  text-align: center;</a:t>
-            </a:r>
-          </a:p>
-          <a:p>
-            <a:r>
-              <a:rPr lang="pl-PL" sz="1200" dirty="0" smtClean="0">
-                <a:solidFill>
-                  <a:schemeClr val="tx1"/>
-                </a:solidFill>
-              </a:rPr>
-              <a:t>  padding: 14px 16px;</a:t>
-            </a:r>
-          </a:p>
-          <a:p>
-            <a:r>
-              <a:rPr lang="pl-PL" sz="1200" dirty="0" smtClean="0">
-                <a:solidFill>
-                  <a:schemeClr val="tx1"/>
-                </a:solidFill>
-              </a:rPr>
-              <a:t>  text-decoration: none;</a:t>
-            </a:r>
-          </a:p>
-          <a:p>
-            <a:r>
-              <a:rPr lang="pl-PL" sz="1200" dirty="0" smtClean="0">
-                <a:solidFill>
-                  <a:schemeClr val="tx1"/>
-                </a:solidFill>
-              </a:rPr>
-              <a:t>}</a:t>
-            </a:r>
-          </a:p>
-          <a:p>
-            <a:endParaRPr lang="pl-PL" sz="1200" dirty="0" smtClean="0">
-              <a:solidFill>
-                <a:schemeClr val="tx1"/>
-              </a:solidFill>
-            </a:endParaRPr>
-          </a:p>
-          <a:p>
-            <a:r>
-              <a:rPr lang="pl-PL" sz="1200" dirty="0" smtClean="0">
-                <a:solidFill>
-                  <a:schemeClr val="tx1"/>
-                </a:solidFill>
-              </a:rPr>
-              <a:t>li a:hover {</a:t>
-            </a:r>
-          </a:p>
-          <a:p>
-            <a:r>
-              <a:rPr lang="pl-PL" sz="1200" dirty="0" smtClean="0">
-                <a:solidFill>
-                  <a:schemeClr val="tx1"/>
-                </a:solidFill>
-              </a:rPr>
-              <a:t>  background-color: #04AA6D;</a:t>
-            </a:r>
-          </a:p>
-          <a:p>
-            <a:r>
-              <a:rPr lang="pl-PL" sz="1200" dirty="0" smtClean="0">
-                <a:solidFill>
-                  <a:schemeClr val="tx1"/>
-                </a:solidFill>
-              </a:rPr>
-              <a:t>}</a:t>
-            </a:r>
-          </a:p>
-          <a:p>
-            <a:endParaRPr lang="pl-PL" sz="1200" dirty="0" smtClean="0">
-              <a:solidFill>
-                <a:schemeClr val="tx1"/>
-              </a:solidFill>
-            </a:endParaRPr>
-          </a:p>
-          <a:p>
-            <a:r>
-              <a:rPr lang="pl-PL" sz="1200" dirty="0" smtClean="0">
-                <a:solidFill>
-                  <a:schemeClr val="tx1"/>
-                </a:solidFill>
-              </a:rPr>
-              <a:t>.active {</a:t>
-            </a:r>
-          </a:p>
-          <a:p>
-            <a:r>
-              <a:rPr lang="pl-PL" sz="1200" dirty="0" smtClean="0">
-                <a:solidFill>
-                  <a:schemeClr val="tx1"/>
-                </a:solidFill>
-              </a:rPr>
-              <a:t>  background-color: #04AA6D;</a:t>
-            </a:r>
-          </a:p>
-          <a:p>
-            <a:r>
-              <a:rPr lang="pl-PL" sz="1200" dirty="0" smtClean="0">
-                <a:solidFill>
-                  <a:schemeClr val="tx1"/>
-                </a:solidFill>
-              </a:rPr>
-              <a:t>}</a:t>
-            </a:r>
-            <a:endParaRPr lang="en-US" sz="1200" dirty="0">
-              <a:solidFill>
-                <a:schemeClr val="tx1"/>
-              </a:solidFill>
-            </a:endParaRPr>
-          </a:p>
-        </p:txBody>
-      </p:sp>
-      <p:pic>
-        <p:nvPicPr>
-          <p:cNvPr id="2051" name="Picture 3"/>
-          <p:cNvPicPr>
-            <a:picLocks noChangeAspect="1" noChangeArrowheads="1"/>
-          </p:cNvPicPr>
-          <p:nvPr/>
-        </p:nvPicPr>
-        <p:blipFill>
-          <a:blip r:embed="rId2"/>
-          <a:srcRect/>
-          <a:stretch>
-            <a:fillRect/>
-          </a:stretch>
-        </p:blipFill>
-        <p:spPr bwMode="auto">
-          <a:xfrm>
-            <a:off x="8564503" y="2685621"/>
-            <a:ext cx="3193301" cy="602931"/>
-          </a:xfrm>
-          <a:prstGeom prst="rect">
-            <a:avLst/>
-          </a:prstGeom>
-          <a:noFill/>
-          <a:ln w="9525">
-            <a:noFill/>
-            <a:miter lim="800000"/>
-            <a:headEnd/>
-            <a:tailEnd/>
-          </a:ln>
-          <a:effectLst/>
-        </p:spPr>
-      </p:pic>
-    </p:spTree>
-    <p:extLst>
-      <p:ext uri="{BB962C8B-B14F-4D97-AF65-F5344CB8AC3E}">
-        <p14:creationId xmlns:p14="http://schemas.microsoft.com/office/powerpoint/2010/main" xmlns="" val="2848728424"/>
+        <p14:creationId xmlns="" xmlns:p14="http://schemas.microsoft.com/office/powerpoint/2010/main" val="4062787881"/>
       </p:ext>
     </p:extLst>
   </p:cSld>
@@ -7001,7 +3626,7 @@
           <p:cNvPr id="15" name="Rectangle 14">
             <a:extLst>
               <a:ext uri="{FF2B5EF4-FFF2-40B4-BE49-F238E27FC236}">
-                <a16:creationId xmlns:a16="http://schemas.microsoft.com/office/drawing/2014/main" xmlns="" id="{206016ED-72BE-418C-807D-52DC06FF490C}"/>
+                <a16:creationId xmlns="" xmlns:a16="http://schemas.microsoft.com/office/drawing/2014/main" id="{206016ED-72BE-418C-807D-52DC06FF490C}"/>
               </a:ext>
             </a:extLst>
           </p:cNvPr>
@@ -7167,7 +3792,7 @@
           <p:cNvPr id="16" name="Rectangle 15">
             <a:extLst>
               <a:ext uri="{FF2B5EF4-FFF2-40B4-BE49-F238E27FC236}">
-                <a16:creationId xmlns:a16="http://schemas.microsoft.com/office/drawing/2014/main" xmlns="" id="{206016ED-72BE-418C-807D-52DC06FF490C}"/>
+                <a16:creationId xmlns="" xmlns:a16="http://schemas.microsoft.com/office/drawing/2014/main" id="{206016ED-72BE-418C-807D-52DC06FF490C}"/>
               </a:ext>
             </a:extLst>
           </p:cNvPr>
@@ -7477,7 +4102,7 @@
     </p:spTree>
     <p:extLst>
       <p:ext uri="{BB962C8B-B14F-4D97-AF65-F5344CB8AC3E}">
-        <p14:creationId xmlns:p14="http://schemas.microsoft.com/office/powerpoint/2010/main" xmlns="" val="2848728424"/>
+        <p14:creationId xmlns="" xmlns:p14="http://schemas.microsoft.com/office/powerpoint/2010/main" val="2848728424"/>
       </p:ext>
     </p:extLst>
   </p:cSld>
@@ -8008,7 +4633,7 @@
           <p:cNvPr id="13" name="Rectangle 12">
             <a:extLst>
               <a:ext uri="{FF2B5EF4-FFF2-40B4-BE49-F238E27FC236}">
-                <a16:creationId xmlns:a16="http://schemas.microsoft.com/office/drawing/2014/main" xmlns="" id="{206016ED-72BE-418C-807D-52DC06FF490C}"/>
+                <a16:creationId xmlns="" xmlns:a16="http://schemas.microsoft.com/office/drawing/2014/main" id="{206016ED-72BE-418C-807D-52DC06FF490C}"/>
               </a:ext>
             </a:extLst>
           </p:cNvPr>
@@ -8098,7 +4723,7 @@
           <p:cNvPr id="10" name="Rectangle 9">
             <a:extLst>
               <a:ext uri="{FF2B5EF4-FFF2-40B4-BE49-F238E27FC236}">
-                <a16:creationId xmlns:a16="http://schemas.microsoft.com/office/drawing/2014/main" xmlns="" id="{206016ED-72BE-418C-807D-52DC06FF490C}"/>
+                <a16:creationId xmlns="" xmlns:a16="http://schemas.microsoft.com/office/drawing/2014/main" id="{206016ED-72BE-418C-807D-52DC06FF490C}"/>
               </a:ext>
             </a:extLst>
           </p:cNvPr>
@@ -8188,7 +4813,7 @@
           <p:cNvPr id="11" name="Rectangle 10">
             <a:extLst>
               <a:ext uri="{FF2B5EF4-FFF2-40B4-BE49-F238E27FC236}">
-                <a16:creationId xmlns:a16="http://schemas.microsoft.com/office/drawing/2014/main" xmlns="" id="{206016ED-72BE-418C-807D-52DC06FF490C}"/>
+                <a16:creationId xmlns="" xmlns:a16="http://schemas.microsoft.com/office/drawing/2014/main" id="{206016ED-72BE-418C-807D-52DC06FF490C}"/>
               </a:ext>
             </a:extLst>
           </p:cNvPr>
@@ -8278,7 +4903,7 @@
           <p:cNvPr id="15" name="Rectangle 14">
             <a:extLst>
               <a:ext uri="{FF2B5EF4-FFF2-40B4-BE49-F238E27FC236}">
-                <a16:creationId xmlns:a16="http://schemas.microsoft.com/office/drawing/2014/main" xmlns="" id="{206016ED-72BE-418C-807D-52DC06FF490C}"/>
+                <a16:creationId xmlns="" xmlns:a16="http://schemas.microsoft.com/office/drawing/2014/main" id="{206016ED-72BE-418C-807D-52DC06FF490C}"/>
               </a:ext>
             </a:extLst>
           </p:cNvPr>
@@ -8443,7 +5068,7 @@
           <p:cNvPr id="16" name="Rectangle 15">
             <a:extLst>
               <a:ext uri="{FF2B5EF4-FFF2-40B4-BE49-F238E27FC236}">
-                <a16:creationId xmlns:a16="http://schemas.microsoft.com/office/drawing/2014/main" xmlns="" id="{206016ED-72BE-418C-807D-52DC06FF490C}"/>
+                <a16:creationId xmlns="" xmlns:a16="http://schemas.microsoft.com/office/drawing/2014/main" id="{206016ED-72BE-418C-807D-52DC06FF490C}"/>
               </a:ext>
             </a:extLst>
           </p:cNvPr>
@@ -8533,7 +5158,7 @@
           <p:cNvPr id="17" name="Rectangle 16">
             <a:extLst>
               <a:ext uri="{FF2B5EF4-FFF2-40B4-BE49-F238E27FC236}">
-                <a16:creationId xmlns:a16="http://schemas.microsoft.com/office/drawing/2014/main" xmlns="" id="{206016ED-72BE-418C-807D-52DC06FF490C}"/>
+                <a16:creationId xmlns="" xmlns:a16="http://schemas.microsoft.com/office/drawing/2014/main" id="{206016ED-72BE-418C-807D-52DC06FF490C}"/>
               </a:ext>
             </a:extLst>
           </p:cNvPr>
@@ -8654,7 +5279,7 @@
     </p:spTree>
     <p:extLst>
       <p:ext uri="{BB962C8B-B14F-4D97-AF65-F5344CB8AC3E}">
-        <p14:creationId xmlns:p14="http://schemas.microsoft.com/office/powerpoint/2010/main" xmlns="" val="2848728424"/>
+        <p14:creationId xmlns="" xmlns:p14="http://schemas.microsoft.com/office/powerpoint/2010/main" val="2848728424"/>
       </p:ext>
     </p:extLst>
   </p:cSld>
@@ -9054,7 +5679,7 @@
           <p:cNvPr id="15" name="Rectangle 14">
             <a:extLst>
               <a:ext uri="{FF2B5EF4-FFF2-40B4-BE49-F238E27FC236}">
-                <a16:creationId xmlns:a16="http://schemas.microsoft.com/office/drawing/2014/main" xmlns="" id="{206016ED-72BE-418C-807D-52DC06FF490C}"/>
+                <a16:creationId xmlns="" xmlns:a16="http://schemas.microsoft.com/office/drawing/2014/main" id="{206016ED-72BE-418C-807D-52DC06FF490C}"/>
               </a:ext>
             </a:extLst>
           </p:cNvPr>
@@ -9219,7 +5844,7 @@
           <p:cNvPr id="16" name="Rectangle 15">
             <a:extLst>
               <a:ext uri="{FF2B5EF4-FFF2-40B4-BE49-F238E27FC236}">
-                <a16:creationId xmlns:a16="http://schemas.microsoft.com/office/drawing/2014/main" xmlns="" id="{206016ED-72BE-418C-807D-52DC06FF490C}"/>
+                <a16:creationId xmlns="" xmlns:a16="http://schemas.microsoft.com/office/drawing/2014/main" id="{206016ED-72BE-418C-807D-52DC06FF490C}"/>
               </a:ext>
             </a:extLst>
           </p:cNvPr>
@@ -9360,7 +5985,7 @@
     </p:spTree>
     <p:extLst>
       <p:ext uri="{BB962C8B-B14F-4D97-AF65-F5344CB8AC3E}">
-        <p14:creationId xmlns:p14="http://schemas.microsoft.com/office/powerpoint/2010/main" xmlns="" val="2848728424"/>
+        <p14:creationId xmlns="" xmlns:p14="http://schemas.microsoft.com/office/powerpoint/2010/main" val="2848728424"/>
       </p:ext>
     </p:extLst>
   </p:cSld>
@@ -9786,7 +6411,7 @@
           <p:cNvPr id="15" name="Rectangle 14">
             <a:extLst>
               <a:ext uri="{FF2B5EF4-FFF2-40B4-BE49-F238E27FC236}">
-                <a16:creationId xmlns:a16="http://schemas.microsoft.com/office/drawing/2014/main" xmlns="" id="{206016ED-72BE-418C-807D-52DC06FF490C}"/>
+                <a16:creationId xmlns="" xmlns:a16="http://schemas.microsoft.com/office/drawing/2014/main" id="{206016ED-72BE-418C-807D-52DC06FF490C}"/>
               </a:ext>
             </a:extLst>
           </p:cNvPr>
@@ -9951,7 +6576,7 @@
           <p:cNvPr id="16" name="Rectangle 15">
             <a:extLst>
               <a:ext uri="{FF2B5EF4-FFF2-40B4-BE49-F238E27FC236}">
-                <a16:creationId xmlns:a16="http://schemas.microsoft.com/office/drawing/2014/main" xmlns="" id="{206016ED-72BE-418C-807D-52DC06FF490C}"/>
+                <a16:creationId xmlns="" xmlns:a16="http://schemas.microsoft.com/office/drawing/2014/main" id="{206016ED-72BE-418C-807D-52DC06FF490C}"/>
               </a:ext>
             </a:extLst>
           </p:cNvPr>
@@ -10041,7 +6666,7 @@
           <p:cNvPr id="17" name="Rectangle 16">
             <a:extLst>
               <a:ext uri="{FF2B5EF4-FFF2-40B4-BE49-F238E27FC236}">
-                <a16:creationId xmlns:a16="http://schemas.microsoft.com/office/drawing/2014/main" xmlns="" id="{206016ED-72BE-418C-807D-52DC06FF490C}"/>
+                <a16:creationId xmlns="" xmlns:a16="http://schemas.microsoft.com/office/drawing/2014/main" id="{206016ED-72BE-418C-807D-52DC06FF490C}"/>
               </a:ext>
             </a:extLst>
           </p:cNvPr>
@@ -10222,7 +6847,7 @@
     </p:spTree>
     <p:extLst>
       <p:ext uri="{BB962C8B-B14F-4D97-AF65-F5344CB8AC3E}">
-        <p14:creationId xmlns:p14="http://schemas.microsoft.com/office/powerpoint/2010/main" xmlns="" val="2848728424"/>
+        <p14:creationId xmlns="" xmlns:p14="http://schemas.microsoft.com/office/powerpoint/2010/main" val="2848728424"/>
       </p:ext>
     </p:extLst>
   </p:cSld>
@@ -10236,1063 +6861,6 @@
       </p:par>
     </p:tnLst>
   </p:timing>
-</p:sld>
-</file>
-
-<file path=ppt/slides/slide8.xml><?xml version="1.0" encoding="utf-8"?>
-<p:sld xmlns:a="http://schemas.openxmlformats.org/drawingml/2006/main" xmlns:r="http://schemas.openxmlformats.org/officeDocument/2006/relationships" xmlns:p="http://schemas.openxmlformats.org/presentationml/2006/main">
-  <p:cSld>
-    <p:spTree>
-      <p:nvGrpSpPr>
-        <p:cNvPr id="1" name=""/>
-        <p:cNvGrpSpPr/>
-        <p:nvPr/>
-      </p:nvGrpSpPr>
-      <p:grpSpPr>
-        <a:xfrm>
-          <a:off x="0" y="0"/>
-          <a:ext cx="0" cy="0"/>
-          <a:chOff x="0" y="0"/>
-          <a:chExt cx="0" cy="0"/>
-        </a:xfrm>
-      </p:grpSpPr>
-      <p:sp>
-        <p:nvSpPr>
-          <p:cNvPr id="14" name="Rectangle 13"/>
-          <p:cNvSpPr/>
-          <p:nvPr/>
-        </p:nvSpPr>
-        <p:spPr>
-          <a:xfrm>
-            <a:off x="462834" y="661929"/>
-            <a:ext cx="10811891" cy="6740307"/>
-          </a:xfrm>
-          <a:prstGeom prst="rect">
-            <a:avLst/>
-          </a:prstGeom>
-        </p:spPr>
-        <p:txBody>
-          <a:bodyPr wrap="square">
-            <a:spAutoFit/>
-          </a:bodyPr>
-          <a:lstStyle/>
-          <a:p>
-            <a:pPr marL="285750" indent="-285750">
-              <a:lnSpc>
-                <a:spcPct val="150000"/>
-              </a:lnSpc>
-            </a:pPr>
-            <a:r>
-              <a:rPr lang="en-US" b="1" u="sng" dirty="0" smtClean="0"/>
-              <a:t>Backgrounds </a:t>
-            </a:r>
-            <a:r>
-              <a:rPr lang="en-US" dirty="0" smtClean="0"/>
-              <a:t>- CSS background properties are used to add background effects for elements.</a:t>
-            </a:r>
-            <a:endParaRPr lang="en-US" b="1" dirty="0" smtClean="0"/>
-          </a:p>
-          <a:p>
-            <a:pPr marL="285750" indent="-285750">
-              <a:lnSpc>
-                <a:spcPct val="150000"/>
-              </a:lnSpc>
-              <a:buFont typeface="Arial" pitchFamily="34" charset="0"/>
-              <a:buChar char="•"/>
-            </a:pPr>
-            <a:r>
-              <a:rPr lang="en-US" dirty="0" smtClean="0"/>
-              <a:t>background-color</a:t>
-            </a:r>
-          </a:p>
-          <a:p>
-            <a:pPr marL="285750" indent="-285750">
-              <a:lnSpc>
-                <a:spcPct val="150000"/>
-              </a:lnSpc>
-              <a:buFont typeface="Arial" pitchFamily="34" charset="0"/>
-              <a:buChar char="•"/>
-            </a:pPr>
-            <a:endParaRPr lang="en-IN" dirty="0" smtClean="0"/>
-          </a:p>
-          <a:p>
-            <a:pPr marL="285750" indent="-285750">
-              <a:lnSpc>
-                <a:spcPct val="150000"/>
-              </a:lnSpc>
-              <a:buFont typeface="Arial" pitchFamily="34" charset="0"/>
-              <a:buChar char="•"/>
-            </a:pPr>
-            <a:endParaRPr lang="en-IN" dirty="0" smtClean="0"/>
-          </a:p>
-          <a:p>
-            <a:pPr marL="285750" indent="-285750">
-              <a:lnSpc>
-                <a:spcPct val="150000"/>
-              </a:lnSpc>
-              <a:buFont typeface="Arial" pitchFamily="34" charset="0"/>
-              <a:buChar char="•"/>
-            </a:pPr>
-            <a:r>
-              <a:rPr lang="en-US" dirty="0" smtClean="0"/>
-              <a:t>Background Image</a:t>
-            </a:r>
-          </a:p>
-          <a:p>
-            <a:pPr marL="285750" indent="-285750">
-              <a:lnSpc>
-                <a:spcPct val="150000"/>
-              </a:lnSpc>
-              <a:buFont typeface="Arial" pitchFamily="34" charset="0"/>
-              <a:buChar char="•"/>
-            </a:pPr>
-            <a:endParaRPr lang="en-IN" dirty="0" smtClean="0"/>
-          </a:p>
-          <a:p>
-            <a:pPr marL="285750" indent="-285750">
-              <a:lnSpc>
-                <a:spcPct val="150000"/>
-              </a:lnSpc>
-              <a:buFont typeface="Arial" pitchFamily="34" charset="0"/>
-              <a:buChar char="•"/>
-            </a:pPr>
-            <a:endParaRPr lang="en-IN" dirty="0" smtClean="0"/>
-          </a:p>
-          <a:p>
-            <a:pPr marL="285750" indent="-285750">
-              <a:lnSpc>
-                <a:spcPct val="150000"/>
-              </a:lnSpc>
-              <a:buFont typeface="Arial" pitchFamily="34" charset="0"/>
-              <a:buChar char="•"/>
-            </a:pPr>
-            <a:r>
-              <a:rPr lang="en-US" dirty="0" smtClean="0"/>
-              <a:t>Background-repeat</a:t>
-            </a:r>
-          </a:p>
-          <a:p>
-            <a:pPr marL="285750" indent="-285750">
-              <a:lnSpc>
-                <a:spcPct val="150000"/>
-              </a:lnSpc>
-              <a:buFont typeface="Arial" pitchFamily="34" charset="0"/>
-              <a:buChar char="•"/>
-            </a:pPr>
-            <a:endParaRPr lang="en-IN" dirty="0" smtClean="0"/>
-          </a:p>
-          <a:p>
-            <a:pPr marL="285750" indent="-285750">
-              <a:lnSpc>
-                <a:spcPct val="150000"/>
-              </a:lnSpc>
-              <a:buFont typeface="Arial" pitchFamily="34" charset="0"/>
-              <a:buChar char="•"/>
-            </a:pPr>
-            <a:endParaRPr lang="en-IN" dirty="0" smtClean="0"/>
-          </a:p>
-          <a:p>
-            <a:pPr marL="285750" indent="-285750">
-              <a:lnSpc>
-                <a:spcPct val="150000"/>
-              </a:lnSpc>
-            </a:pPr>
-            <a:endParaRPr lang="en-US" dirty="0" smtClean="0"/>
-          </a:p>
-          <a:p>
-            <a:pPr marL="285750" indent="-285750">
-              <a:lnSpc>
-                <a:spcPct val="150000"/>
-              </a:lnSpc>
-              <a:buFont typeface="Arial" pitchFamily="34" charset="0"/>
-              <a:buChar char="•"/>
-            </a:pPr>
-            <a:r>
-              <a:rPr lang="en-US" dirty="0" smtClean="0"/>
-              <a:t>Background Shorthand</a:t>
-            </a:r>
-          </a:p>
-          <a:p>
-            <a:pPr marL="285750" indent="-285750">
-              <a:lnSpc>
-                <a:spcPct val="150000"/>
-              </a:lnSpc>
-              <a:buFont typeface="Arial" pitchFamily="34" charset="0"/>
-              <a:buChar char="•"/>
-            </a:pPr>
-            <a:endParaRPr lang="en-US" dirty="0" smtClean="0"/>
-          </a:p>
-          <a:p>
-            <a:pPr marL="285750" indent="-285750">
-              <a:lnSpc>
-                <a:spcPct val="150000"/>
-              </a:lnSpc>
-              <a:buFont typeface="Arial" pitchFamily="34" charset="0"/>
-              <a:buChar char="•"/>
-            </a:pPr>
-            <a:endParaRPr lang="en-US" dirty="0" smtClean="0"/>
-          </a:p>
-          <a:p>
-            <a:pPr marL="285750" indent="-285750">
-              <a:lnSpc>
-                <a:spcPct val="150000"/>
-              </a:lnSpc>
-            </a:pPr>
-            <a:endParaRPr lang="en-US" dirty="0" smtClean="0"/>
-          </a:p>
-          <a:p>
-            <a:pPr marL="285750" indent="-285750">
-              <a:lnSpc>
-                <a:spcPct val="150000"/>
-              </a:lnSpc>
-            </a:pPr>
-            <a:endParaRPr lang="en-US" dirty="0" smtClean="0"/>
-          </a:p>
-        </p:txBody>
-      </p:sp>
-      <p:sp>
-        <p:nvSpPr>
-          <p:cNvPr id="4" name="Content Placeholder 13"/>
-          <p:cNvSpPr txBox="1">
-            <a:spLocks/>
-          </p:cNvSpPr>
-          <p:nvPr/>
-        </p:nvSpPr>
-        <p:spPr>
-          <a:xfrm>
-            <a:off x="321126" y="135993"/>
-            <a:ext cx="9791700" cy="630192"/>
-          </a:xfrm>
-          <a:prstGeom prst="rect">
-            <a:avLst/>
-          </a:prstGeom>
-        </p:spPr>
-        <p:txBody>
-          <a:bodyPr vert="horz" lIns="91440" tIns="45720" rIns="91440" bIns="45720" rtlCol="0">
-            <a:noAutofit/>
-          </a:bodyPr>
-          <a:lstStyle>
-            <a:lvl1pPr marL="0" indent="0" algn="ctr" defTabSz="914400" rtl="0" eaLnBrk="1" latinLnBrk="0" hangingPunct="1">
-              <a:lnSpc>
-                <a:spcPct val="90000"/>
-              </a:lnSpc>
-              <a:spcBef>
-                <a:spcPts val="1000"/>
-              </a:spcBef>
-              <a:buFont typeface="Arial" panose="020B0604020202020204" pitchFamily="34" charset="0"/>
-              <a:buNone/>
-              <a:defRPr kumimoji="1" sz="2400" kern="1200">
-                <a:solidFill>
-                  <a:schemeClr val="tx1"/>
-                </a:solidFill>
-                <a:latin typeface="+mn-lt"/>
-                <a:ea typeface="+mn-ea"/>
-                <a:cs typeface="+mn-cs"/>
-              </a:defRPr>
-            </a:lvl1pPr>
-            <a:lvl2pPr marL="457200" indent="0" algn="ctr" defTabSz="914400" rtl="0" eaLnBrk="1" latinLnBrk="0" hangingPunct="1">
-              <a:lnSpc>
-                <a:spcPct val="90000"/>
-              </a:lnSpc>
-              <a:spcBef>
-                <a:spcPts val="500"/>
-              </a:spcBef>
-              <a:buFont typeface="Arial" panose="020B0604020202020204" pitchFamily="34" charset="0"/>
-              <a:buNone/>
-              <a:defRPr kumimoji="1" sz="2000" kern="1200">
-                <a:solidFill>
-                  <a:schemeClr val="tx1"/>
-                </a:solidFill>
-                <a:latin typeface="+mn-lt"/>
-                <a:ea typeface="+mn-ea"/>
-                <a:cs typeface="+mn-cs"/>
-              </a:defRPr>
-            </a:lvl2pPr>
-            <a:lvl3pPr marL="914400" indent="0" algn="ctr" defTabSz="914400" rtl="0" eaLnBrk="1" latinLnBrk="0" hangingPunct="1">
-              <a:lnSpc>
-                <a:spcPct val="90000"/>
-              </a:lnSpc>
-              <a:spcBef>
-                <a:spcPts val="500"/>
-              </a:spcBef>
-              <a:buFont typeface="Arial" panose="020B0604020202020204" pitchFamily="34" charset="0"/>
-              <a:buNone/>
-              <a:defRPr kumimoji="1" sz="1800" kern="1200">
-                <a:solidFill>
-                  <a:schemeClr val="tx1"/>
-                </a:solidFill>
-                <a:latin typeface="+mn-lt"/>
-                <a:ea typeface="+mn-ea"/>
-                <a:cs typeface="+mn-cs"/>
-              </a:defRPr>
-            </a:lvl3pPr>
-            <a:lvl4pPr marL="1371600" indent="0" algn="ctr" defTabSz="914400" rtl="0" eaLnBrk="1" latinLnBrk="0" hangingPunct="1">
-              <a:lnSpc>
-                <a:spcPct val="90000"/>
-              </a:lnSpc>
-              <a:spcBef>
-                <a:spcPts val="500"/>
-              </a:spcBef>
-              <a:buFont typeface="Arial" panose="020B0604020202020204" pitchFamily="34" charset="0"/>
-              <a:buNone/>
-              <a:defRPr kumimoji="1" sz="1600" kern="1200">
-                <a:solidFill>
-                  <a:schemeClr val="tx1"/>
-                </a:solidFill>
-                <a:latin typeface="+mn-lt"/>
-                <a:ea typeface="+mn-ea"/>
-                <a:cs typeface="+mn-cs"/>
-              </a:defRPr>
-            </a:lvl4pPr>
-            <a:lvl5pPr marL="1828800" indent="0" algn="ctr" defTabSz="914400" rtl="0" eaLnBrk="1" latinLnBrk="0" hangingPunct="1">
-              <a:lnSpc>
-                <a:spcPct val="90000"/>
-              </a:lnSpc>
-              <a:spcBef>
-                <a:spcPts val="500"/>
-              </a:spcBef>
-              <a:buFont typeface="Arial" panose="020B0604020202020204" pitchFamily="34" charset="0"/>
-              <a:buNone/>
-              <a:defRPr kumimoji="1" sz="1600" kern="1200">
-                <a:solidFill>
-                  <a:schemeClr val="tx1"/>
-                </a:solidFill>
-                <a:latin typeface="+mn-lt"/>
-                <a:ea typeface="+mn-ea"/>
-                <a:cs typeface="+mn-cs"/>
-              </a:defRPr>
-            </a:lvl5pPr>
-            <a:lvl6pPr marL="2286000" indent="0" algn="ctr" defTabSz="914400" rtl="0" eaLnBrk="1" latinLnBrk="0" hangingPunct="1">
-              <a:lnSpc>
-                <a:spcPct val="90000"/>
-              </a:lnSpc>
-              <a:spcBef>
-                <a:spcPts val="500"/>
-              </a:spcBef>
-              <a:buFont typeface="Arial" panose="020B0604020202020204" pitchFamily="34" charset="0"/>
-              <a:buNone/>
-              <a:defRPr kumimoji="1" sz="1600" kern="1200">
-                <a:solidFill>
-                  <a:schemeClr val="tx1"/>
-                </a:solidFill>
-                <a:latin typeface="+mn-lt"/>
-                <a:ea typeface="+mn-ea"/>
-                <a:cs typeface="+mn-cs"/>
-              </a:defRPr>
-            </a:lvl6pPr>
-            <a:lvl7pPr marL="2743200" indent="0" algn="ctr" defTabSz="914400" rtl="0" eaLnBrk="1" latinLnBrk="0" hangingPunct="1">
-              <a:lnSpc>
-                <a:spcPct val="90000"/>
-              </a:lnSpc>
-              <a:spcBef>
-                <a:spcPts val="500"/>
-              </a:spcBef>
-              <a:buFont typeface="Arial" panose="020B0604020202020204" pitchFamily="34" charset="0"/>
-              <a:buNone/>
-              <a:defRPr kumimoji="1" sz="1600" kern="1200">
-                <a:solidFill>
-                  <a:schemeClr val="tx1"/>
-                </a:solidFill>
-                <a:latin typeface="+mn-lt"/>
-                <a:ea typeface="+mn-ea"/>
-                <a:cs typeface="+mn-cs"/>
-              </a:defRPr>
-            </a:lvl7pPr>
-            <a:lvl8pPr marL="3200400" indent="0" algn="ctr" defTabSz="914400" rtl="0" eaLnBrk="1" latinLnBrk="0" hangingPunct="1">
-              <a:lnSpc>
-                <a:spcPct val="90000"/>
-              </a:lnSpc>
-              <a:spcBef>
-                <a:spcPts val="500"/>
-              </a:spcBef>
-              <a:buFont typeface="Arial" panose="020B0604020202020204" pitchFamily="34" charset="0"/>
-              <a:buNone/>
-              <a:defRPr kumimoji="1" sz="1600" kern="1200">
-                <a:solidFill>
-                  <a:schemeClr val="tx1"/>
-                </a:solidFill>
-                <a:latin typeface="+mn-lt"/>
-                <a:ea typeface="+mn-ea"/>
-                <a:cs typeface="+mn-cs"/>
-              </a:defRPr>
-            </a:lvl8pPr>
-            <a:lvl9pPr marL="3657600" indent="0" algn="ctr" defTabSz="914400" rtl="0" eaLnBrk="1" latinLnBrk="0" hangingPunct="1">
-              <a:lnSpc>
-                <a:spcPct val="90000"/>
-              </a:lnSpc>
-              <a:spcBef>
-                <a:spcPts val="500"/>
-              </a:spcBef>
-              <a:buFont typeface="Arial" panose="020B0604020202020204" pitchFamily="34" charset="0"/>
-              <a:buNone/>
-              <a:defRPr kumimoji="1" sz="1600" kern="1200">
-                <a:solidFill>
-                  <a:schemeClr val="tx1"/>
-                </a:solidFill>
-                <a:latin typeface="+mn-lt"/>
-                <a:ea typeface="+mn-ea"/>
-                <a:cs typeface="+mn-cs"/>
-              </a:defRPr>
-            </a:lvl9pPr>
-          </a:lstStyle>
-          <a:p>
-            <a:pPr algn="l"/>
-            <a:r>
-              <a:rPr lang="en-US" sz="3600" b="1" dirty="0" smtClean="0">
-                <a:solidFill>
-                  <a:srgbClr val="0064B5"/>
-                </a:solidFill>
-              </a:rPr>
-              <a:t>CSS Property - Background</a:t>
-            </a:r>
-          </a:p>
-        </p:txBody>
-      </p:sp>
-      <p:sp>
-        <p:nvSpPr>
-          <p:cNvPr id="15" name="Rectangle 14">
-            <a:extLst>
-              <a:ext uri="{FF2B5EF4-FFF2-40B4-BE49-F238E27FC236}">
-                <a16:creationId xmlns:a16="http://schemas.microsoft.com/office/drawing/2014/main" xmlns="" id="{206016ED-72BE-418C-807D-52DC06FF490C}"/>
-              </a:ext>
-            </a:extLst>
-          </p:cNvPr>
-          <p:cNvSpPr/>
-          <p:nvPr/>
-        </p:nvSpPr>
-        <p:spPr>
-          <a:xfrm>
-            <a:off x="1173296" y="1578638"/>
-            <a:ext cx="4942832" cy="439944"/>
-          </a:xfrm>
-          <a:prstGeom prst="rect">
-            <a:avLst/>
-          </a:prstGeom>
-          <a:gradFill flip="none" rotWithShape="1">
-            <a:gsLst>
-              <a:gs pos="0">
-                <a:schemeClr val="bg2"/>
-              </a:gs>
-              <a:gs pos="50000">
-                <a:schemeClr val="accent3">
-                  <a:lumMod val="20000"/>
-                  <a:lumOff val="80000"/>
-                  <a:shade val="67500"/>
-                  <a:satMod val="115000"/>
-                </a:schemeClr>
-              </a:gs>
-              <a:gs pos="100000">
-                <a:schemeClr val="accent3">
-                  <a:lumMod val="20000"/>
-                  <a:lumOff val="80000"/>
-                  <a:shade val="100000"/>
-                  <a:satMod val="115000"/>
-                </a:schemeClr>
-              </a:gs>
-            </a:gsLst>
-            <a:lin ang="6600000" scaled="0"/>
-            <a:tileRect/>
-          </a:gradFill>
-          <a:ln>
-            <a:solidFill>
-              <a:schemeClr val="tx1">
-                <a:lumMod val="50000"/>
-                <a:lumOff val="50000"/>
-              </a:schemeClr>
-            </a:solidFill>
-          </a:ln>
-        </p:spPr>
-        <p:style>
-          <a:lnRef idx="2">
-            <a:schemeClr val="accent1">
-              <a:shade val="50000"/>
-            </a:schemeClr>
-          </a:lnRef>
-          <a:fillRef idx="1">
-            <a:schemeClr val="accent1"/>
-          </a:fillRef>
-          <a:effectRef idx="0">
-            <a:schemeClr val="accent1"/>
-          </a:effectRef>
-          <a:fontRef idx="minor">
-            <a:schemeClr val="lt1"/>
-          </a:fontRef>
-        </p:style>
-        <p:txBody>
-          <a:bodyPr rtlCol="0" anchor="ctr"/>
-          <a:lstStyle/>
-          <a:p>
-            <a:r>
-              <a:rPr lang="en-IN" sz="1600" dirty="0" smtClean="0">
-                <a:solidFill>
-                  <a:schemeClr val="tx1"/>
-                </a:solidFill>
-              </a:rPr>
-              <a:t>div { background-</a:t>
-            </a:r>
-            <a:r>
-              <a:rPr lang="en-IN" sz="1600" dirty="0" err="1" smtClean="0">
-                <a:solidFill>
-                  <a:schemeClr val="tx1"/>
-                </a:solidFill>
-              </a:rPr>
-              <a:t>color</a:t>
-            </a:r>
-            <a:r>
-              <a:rPr lang="en-IN" sz="1600" dirty="0" smtClean="0">
-                <a:solidFill>
-                  <a:schemeClr val="tx1"/>
-                </a:solidFill>
-              </a:rPr>
-              <a:t>: </a:t>
-            </a:r>
-            <a:r>
-              <a:rPr lang="en-IN" sz="1600" dirty="0" err="1" smtClean="0">
-                <a:solidFill>
-                  <a:schemeClr val="tx1"/>
-                </a:solidFill>
-              </a:rPr>
-              <a:t>lightblue</a:t>
-            </a:r>
-            <a:r>
-              <a:rPr lang="en-IN" sz="1600" dirty="0" smtClean="0">
-                <a:solidFill>
-                  <a:schemeClr val="tx1"/>
-                </a:solidFill>
-              </a:rPr>
-              <a:t>; }</a:t>
-            </a:r>
-            <a:endParaRPr lang="en-US" sz="1600" dirty="0">
-              <a:solidFill>
-                <a:schemeClr val="tx1"/>
-              </a:solidFill>
-            </a:endParaRPr>
-          </a:p>
-        </p:txBody>
-      </p:sp>
-      <p:sp>
-        <p:nvSpPr>
-          <p:cNvPr id="16" name="Rectangle 15">
-            <a:extLst>
-              <a:ext uri="{FF2B5EF4-FFF2-40B4-BE49-F238E27FC236}">
-                <a16:creationId xmlns:a16="http://schemas.microsoft.com/office/drawing/2014/main" xmlns="" id="{206016ED-72BE-418C-807D-52DC06FF490C}"/>
-              </a:ext>
-            </a:extLst>
-          </p:cNvPr>
-          <p:cNvSpPr/>
-          <p:nvPr/>
-        </p:nvSpPr>
-        <p:spPr>
-          <a:xfrm>
-            <a:off x="1138790" y="4071668"/>
-            <a:ext cx="5046350" cy="1061049"/>
-          </a:xfrm>
-          <a:prstGeom prst="rect">
-            <a:avLst/>
-          </a:prstGeom>
-          <a:gradFill flip="none" rotWithShape="1">
-            <a:gsLst>
-              <a:gs pos="0">
-                <a:schemeClr val="bg2"/>
-              </a:gs>
-              <a:gs pos="50000">
-                <a:schemeClr val="accent3">
-                  <a:lumMod val="20000"/>
-                  <a:lumOff val="80000"/>
-                  <a:shade val="67500"/>
-                  <a:satMod val="115000"/>
-                </a:schemeClr>
-              </a:gs>
-              <a:gs pos="100000">
-                <a:schemeClr val="accent3">
-                  <a:lumMod val="20000"/>
-                  <a:lumOff val="80000"/>
-                  <a:shade val="100000"/>
-                  <a:satMod val="115000"/>
-                </a:schemeClr>
-              </a:gs>
-            </a:gsLst>
-            <a:lin ang="6600000" scaled="0"/>
-            <a:tileRect/>
-          </a:gradFill>
-          <a:ln>
-            <a:solidFill>
-              <a:schemeClr val="tx1">
-                <a:lumMod val="50000"/>
-                <a:lumOff val="50000"/>
-              </a:schemeClr>
-            </a:solidFill>
-          </a:ln>
-        </p:spPr>
-        <p:style>
-          <a:lnRef idx="2">
-            <a:schemeClr val="accent1">
-              <a:shade val="50000"/>
-            </a:schemeClr>
-          </a:lnRef>
-          <a:fillRef idx="1">
-            <a:schemeClr val="accent1"/>
-          </a:fillRef>
-          <a:effectRef idx="0">
-            <a:schemeClr val="accent1"/>
-          </a:effectRef>
-          <a:fontRef idx="minor">
-            <a:schemeClr val="lt1"/>
-          </a:fontRef>
-        </p:style>
-        <p:txBody>
-          <a:bodyPr rtlCol="0" anchor="ctr"/>
-          <a:lstStyle/>
-          <a:p>
-            <a:r>
-              <a:rPr lang="en-US" sz="1600" dirty="0" smtClean="0">
-                <a:solidFill>
-                  <a:schemeClr val="tx1"/>
-                </a:solidFill>
-              </a:rPr>
-              <a:t>body {</a:t>
-            </a:r>
-            <a:br>
-              <a:rPr lang="en-US" sz="1600" dirty="0" smtClean="0">
-                <a:solidFill>
-                  <a:schemeClr val="tx1"/>
-                </a:solidFill>
-              </a:rPr>
-            </a:br>
-            <a:r>
-              <a:rPr lang="en-US" sz="1600" dirty="0" smtClean="0">
-                <a:solidFill>
-                  <a:schemeClr val="tx1"/>
-                </a:solidFill>
-              </a:rPr>
-              <a:t>  background-image: </a:t>
-            </a:r>
-            <a:r>
-              <a:rPr lang="en-US" sz="1600" dirty="0" err="1" smtClean="0">
-                <a:solidFill>
-                  <a:schemeClr val="tx1"/>
-                </a:solidFill>
-              </a:rPr>
-              <a:t>url</a:t>
-            </a:r>
-            <a:r>
-              <a:rPr lang="en-US" sz="1600" dirty="0" smtClean="0">
-                <a:solidFill>
-                  <a:schemeClr val="tx1"/>
-                </a:solidFill>
-              </a:rPr>
-              <a:t>("img_tree.png");</a:t>
-            </a:r>
-            <a:br>
-              <a:rPr lang="en-US" sz="1600" dirty="0" smtClean="0">
-                <a:solidFill>
-                  <a:schemeClr val="tx1"/>
-                </a:solidFill>
-              </a:rPr>
-            </a:br>
-            <a:r>
-              <a:rPr lang="en-US" sz="1600" dirty="0" smtClean="0">
-                <a:solidFill>
-                  <a:schemeClr val="tx1"/>
-                </a:solidFill>
-              </a:rPr>
-              <a:t>  background-repeat: no-repeat;</a:t>
-            </a:r>
-          </a:p>
-          <a:p>
-            <a:r>
-              <a:rPr lang="en-US" sz="1600" dirty="0" smtClean="0">
-                <a:solidFill>
-                  <a:schemeClr val="tx1"/>
-                </a:solidFill>
-              </a:rPr>
-              <a:t>Background-size:100px 200px;</a:t>
-            </a:r>
-          </a:p>
-          <a:p>
-            <a:r>
-              <a:rPr lang="en-US" sz="1600" smtClean="0">
-                <a:solidFill>
-                  <a:schemeClr val="tx1"/>
-                </a:solidFill>
-              </a:rPr>
-              <a:t>Background-size:cover;</a:t>
-            </a:r>
-            <a:r>
-              <a:rPr lang="en-US" sz="1600" dirty="0" smtClean="0">
-                <a:solidFill>
-                  <a:schemeClr val="tx1"/>
-                </a:solidFill>
-              </a:rPr>
-              <a:t/>
-            </a:r>
-            <a:br>
-              <a:rPr lang="en-US" sz="1600" dirty="0" smtClean="0">
-                <a:solidFill>
-                  <a:schemeClr val="tx1"/>
-                </a:solidFill>
-              </a:rPr>
-            </a:br>
-            <a:r>
-              <a:rPr lang="en-US" sz="1600" dirty="0" smtClean="0">
-                <a:solidFill>
-                  <a:schemeClr val="tx1"/>
-                </a:solidFill>
-              </a:rPr>
-              <a:t>}</a:t>
-            </a:r>
-            <a:endParaRPr lang="en-US" sz="1600" dirty="0">
-              <a:solidFill>
-                <a:schemeClr val="tx1"/>
-              </a:solidFill>
-            </a:endParaRPr>
-          </a:p>
-        </p:txBody>
-      </p:sp>
-      <p:sp>
-        <p:nvSpPr>
-          <p:cNvPr id="10" name="Rectangle 9">
-            <a:extLst>
-              <a:ext uri="{FF2B5EF4-FFF2-40B4-BE49-F238E27FC236}">
-                <a16:creationId xmlns:a16="http://schemas.microsoft.com/office/drawing/2014/main" xmlns="" id="{206016ED-72BE-418C-807D-52DC06FF490C}"/>
-              </a:ext>
-            </a:extLst>
-          </p:cNvPr>
-          <p:cNvSpPr/>
-          <p:nvPr/>
-        </p:nvSpPr>
-        <p:spPr>
-          <a:xfrm>
-            <a:off x="1153167" y="2800713"/>
-            <a:ext cx="5023345" cy="439944"/>
-          </a:xfrm>
-          <a:prstGeom prst="rect">
-            <a:avLst/>
-          </a:prstGeom>
-          <a:gradFill flip="none" rotWithShape="1">
-            <a:gsLst>
-              <a:gs pos="0">
-                <a:schemeClr val="bg2"/>
-              </a:gs>
-              <a:gs pos="50000">
-                <a:schemeClr val="accent3">
-                  <a:lumMod val="20000"/>
-                  <a:lumOff val="80000"/>
-                  <a:shade val="67500"/>
-                  <a:satMod val="115000"/>
-                </a:schemeClr>
-              </a:gs>
-              <a:gs pos="100000">
-                <a:schemeClr val="accent3">
-                  <a:lumMod val="20000"/>
-                  <a:lumOff val="80000"/>
-                  <a:shade val="100000"/>
-                  <a:satMod val="115000"/>
-                </a:schemeClr>
-              </a:gs>
-            </a:gsLst>
-            <a:lin ang="6600000" scaled="0"/>
-            <a:tileRect/>
-          </a:gradFill>
-          <a:ln>
-            <a:solidFill>
-              <a:schemeClr val="tx1">
-                <a:lumMod val="50000"/>
-                <a:lumOff val="50000"/>
-              </a:schemeClr>
-            </a:solidFill>
-          </a:ln>
-        </p:spPr>
-        <p:style>
-          <a:lnRef idx="2">
-            <a:schemeClr val="accent1">
-              <a:shade val="50000"/>
-            </a:schemeClr>
-          </a:lnRef>
-          <a:fillRef idx="1">
-            <a:schemeClr val="accent1"/>
-          </a:fillRef>
-          <a:effectRef idx="0">
-            <a:schemeClr val="accent1"/>
-          </a:effectRef>
-          <a:fontRef idx="minor">
-            <a:schemeClr val="lt1"/>
-          </a:fontRef>
-        </p:style>
-        <p:txBody>
-          <a:bodyPr rtlCol="0" anchor="ctr"/>
-          <a:lstStyle/>
-          <a:p>
-            <a:r>
-              <a:rPr lang="en-IN" sz="1600" dirty="0" smtClean="0">
-                <a:solidFill>
-                  <a:schemeClr val="tx1"/>
-                </a:solidFill>
-              </a:rPr>
-              <a:t>div {background-image: </a:t>
-            </a:r>
-            <a:r>
-              <a:rPr lang="en-IN" sz="1600" dirty="0" err="1" smtClean="0">
-                <a:solidFill>
-                  <a:schemeClr val="tx1"/>
-                </a:solidFill>
-              </a:rPr>
-              <a:t>url</a:t>
-            </a:r>
-            <a:r>
-              <a:rPr lang="en-IN" sz="1600" dirty="0" smtClean="0">
-                <a:solidFill>
-                  <a:schemeClr val="tx1"/>
-                </a:solidFill>
-              </a:rPr>
-              <a:t>("bgWallppr.jpg"); }</a:t>
-            </a:r>
-            <a:endParaRPr lang="en-US" sz="1600" dirty="0">
-              <a:solidFill>
-                <a:schemeClr val="tx1"/>
-              </a:solidFill>
-            </a:endParaRPr>
-          </a:p>
-        </p:txBody>
-      </p:sp>
-      <p:sp>
-        <p:nvSpPr>
-          <p:cNvPr id="12" name="Rectangle 11">
-            <a:extLst>
-              <a:ext uri="{FF2B5EF4-FFF2-40B4-BE49-F238E27FC236}">
-                <a16:creationId xmlns:a16="http://schemas.microsoft.com/office/drawing/2014/main" xmlns="" id="{206016ED-72BE-418C-807D-52DC06FF490C}"/>
-              </a:ext>
-            </a:extLst>
-          </p:cNvPr>
-          <p:cNvSpPr/>
-          <p:nvPr/>
-        </p:nvSpPr>
-        <p:spPr>
-          <a:xfrm>
-            <a:off x="1141665" y="5670434"/>
-            <a:ext cx="5052101" cy="439944"/>
-          </a:xfrm>
-          <a:prstGeom prst="rect">
-            <a:avLst/>
-          </a:prstGeom>
-          <a:gradFill flip="none" rotWithShape="1">
-            <a:gsLst>
-              <a:gs pos="0">
-                <a:schemeClr val="bg2"/>
-              </a:gs>
-              <a:gs pos="50000">
-                <a:schemeClr val="accent3">
-                  <a:lumMod val="20000"/>
-                  <a:lumOff val="80000"/>
-                  <a:shade val="67500"/>
-                  <a:satMod val="115000"/>
-                </a:schemeClr>
-              </a:gs>
-              <a:gs pos="100000">
-                <a:schemeClr val="accent3">
-                  <a:lumMod val="20000"/>
-                  <a:lumOff val="80000"/>
-                  <a:shade val="100000"/>
-                  <a:satMod val="115000"/>
-                </a:schemeClr>
-              </a:gs>
-            </a:gsLst>
-            <a:lin ang="6600000" scaled="0"/>
-            <a:tileRect/>
-          </a:gradFill>
-          <a:ln>
-            <a:solidFill>
-              <a:schemeClr val="tx1">
-                <a:lumMod val="50000"/>
-                <a:lumOff val="50000"/>
-              </a:schemeClr>
-            </a:solidFill>
-          </a:ln>
-        </p:spPr>
-        <p:style>
-          <a:lnRef idx="2">
-            <a:schemeClr val="accent1">
-              <a:shade val="50000"/>
-            </a:schemeClr>
-          </a:lnRef>
-          <a:fillRef idx="1">
-            <a:schemeClr val="accent1"/>
-          </a:fillRef>
-          <a:effectRef idx="0">
-            <a:schemeClr val="accent1"/>
-          </a:effectRef>
-          <a:fontRef idx="minor">
-            <a:schemeClr val="lt1"/>
-          </a:fontRef>
-        </p:style>
-        <p:txBody>
-          <a:bodyPr rtlCol="0" anchor="ctr"/>
-          <a:lstStyle/>
-          <a:p>
-            <a:r>
-              <a:rPr lang="en-IN" sz="1600" dirty="0" smtClean="0">
-                <a:solidFill>
-                  <a:schemeClr val="tx1"/>
-                </a:solidFill>
-              </a:rPr>
-              <a:t>div {</a:t>
-            </a:r>
-            <a:r>
-              <a:rPr lang="en-US" sz="1600" dirty="0" smtClean="0">
-                <a:solidFill>
-                  <a:schemeClr val="tx1"/>
-                </a:solidFill>
-              </a:rPr>
-              <a:t>background: #</a:t>
-            </a:r>
-            <a:r>
-              <a:rPr lang="en-US" sz="1600" dirty="0" err="1" smtClean="0">
-                <a:solidFill>
-                  <a:schemeClr val="tx1"/>
-                </a:solidFill>
-              </a:rPr>
-              <a:t>ffffff</a:t>
-            </a:r>
-            <a:r>
-              <a:rPr lang="en-US" sz="1600" dirty="0" smtClean="0">
-                <a:solidFill>
-                  <a:schemeClr val="tx1"/>
-                </a:solidFill>
-              </a:rPr>
-              <a:t> </a:t>
-            </a:r>
-            <a:r>
-              <a:rPr lang="en-US" sz="1600" dirty="0" err="1" smtClean="0">
-                <a:solidFill>
-                  <a:schemeClr val="tx1"/>
-                </a:solidFill>
-              </a:rPr>
-              <a:t>url</a:t>
-            </a:r>
-            <a:r>
-              <a:rPr lang="en-US" sz="1600" dirty="0" smtClean="0">
-                <a:solidFill>
-                  <a:schemeClr val="tx1"/>
-                </a:solidFill>
-              </a:rPr>
-              <a:t>("img_tree.png") no-repeat;</a:t>
-            </a:r>
-            <a:r>
-              <a:rPr lang="en-IN" sz="1600" dirty="0" smtClean="0">
-                <a:solidFill>
-                  <a:schemeClr val="tx1"/>
-                </a:solidFill>
-              </a:rPr>
-              <a:t>}</a:t>
-            </a:r>
-            <a:endParaRPr lang="en-US" sz="1600" dirty="0">
-              <a:solidFill>
-                <a:schemeClr val="tx1"/>
-              </a:solidFill>
-            </a:endParaRPr>
-          </a:p>
-        </p:txBody>
-      </p:sp>
-    </p:spTree>
-    <p:extLst>
-      <p:ext uri="{BB962C8B-B14F-4D97-AF65-F5344CB8AC3E}">
-        <p14:creationId xmlns:p14="http://schemas.microsoft.com/office/powerpoint/2010/main" xmlns="" val="2848728424"/>
-      </p:ext>
-    </p:extLst>
-  </p:cSld>
-  <p:clrMapOvr>
-    <a:masterClrMapping/>
-  </p:clrMapOvr>
-  <p:timing>
-    <p:tnLst>
-      <p:par>
-        <p:cTn id="1" dur="indefinite" restart="never" nodeType="tmRoot"/>
-      </p:par>
-    </p:tnLst>
-  </p:timing>
-</p:sld>
-</file>
-
-<file path=ppt/slides/slide9.xml><?xml version="1.0" encoding="utf-8"?>
-<p:sld xmlns:a="http://schemas.openxmlformats.org/drawingml/2006/main" xmlns:r="http://schemas.openxmlformats.org/officeDocument/2006/relationships" xmlns:p="http://schemas.openxmlformats.org/presentationml/2006/main">
-  <p:cSld>
-    <p:spTree>
-      <p:nvGrpSpPr>
-        <p:cNvPr id="1" name=""/>
-        <p:cNvGrpSpPr/>
-        <p:nvPr/>
-      </p:nvGrpSpPr>
-      <p:grpSpPr>
-        <a:xfrm>
-          <a:off x="0" y="0"/>
-          <a:ext cx="0" cy="0"/>
-          <a:chOff x="0" y="0"/>
-          <a:chExt cx="0" cy="0"/>
-        </a:xfrm>
-      </p:grpSpPr>
-      <p:sp>
-        <p:nvSpPr>
-          <p:cNvPr id="2" name="Title 1"/>
-          <p:cNvSpPr>
-            <a:spLocks noGrp="1"/>
-          </p:cNvSpPr>
-          <p:nvPr>
-            <p:ph type="title"/>
-          </p:nvPr>
-        </p:nvSpPr>
-        <p:spPr/>
-        <p:txBody>
-          <a:bodyPr/>
-          <a:lstStyle/>
-          <a:p>
-            <a:r>
-              <a:rPr lang="en-US" dirty="0" smtClean="0"/>
-              <a:t>Question</a:t>
-            </a:r>
-            <a:endParaRPr lang="en-US" dirty="0"/>
-          </a:p>
-        </p:txBody>
-      </p:sp>
-      <p:pic>
-        <p:nvPicPr>
-          <p:cNvPr id="1026" name="Picture 2"/>
-          <p:cNvPicPr>
-            <a:picLocks noGrp="1" noChangeAspect="1" noChangeArrowheads="1"/>
-          </p:cNvPicPr>
-          <p:nvPr>
-            <p:ph idx="1"/>
-          </p:nvPr>
-        </p:nvPicPr>
-        <p:blipFill>
-          <a:blip r:embed="rId2"/>
-          <a:srcRect/>
-          <a:stretch>
-            <a:fillRect/>
-          </a:stretch>
-        </p:blipFill>
-        <p:spPr bwMode="auto">
-          <a:xfrm>
-            <a:off x="831804" y="1661136"/>
-            <a:ext cx="9762173" cy="2545103"/>
-          </a:xfrm>
-          <a:prstGeom prst="rect">
-            <a:avLst/>
-          </a:prstGeom>
-          <a:noFill/>
-          <a:ln w="9525">
-            <a:noFill/>
-            <a:miter lim="800000"/>
-            <a:headEnd/>
-            <a:tailEnd/>
-          </a:ln>
-          <a:effectLst/>
-        </p:spPr>
-      </p:pic>
-    </p:spTree>
-  </p:cSld>
-  <p:clrMapOvr>
-    <a:masterClrMapping/>
-  </p:clrMapOvr>
 </p:sld>
 </file>
 
@@ -11551,7 +7119,7 @@
   <a:extraClrSchemeLst/>
   <a:extLst>
     <a:ext uri="{05A4C25C-085E-4340-85A3-A5531E510DB2}">
-      <thm15:themeFamily xmlns:thm15="http://schemas.microsoft.com/office/thememl/2012/main" xmlns="" name="Office Theme" id="{62F939B6-93AF-4DB8-9C6B-D6C7DFDC589F}" vid="{4A3C46E8-61CC-4603-A589-7422A47A8E4A}"/>
+      <thm15:themeFamily xmlns="" xmlns:thm15="http://schemas.microsoft.com/office/thememl/2012/main" name="Office Theme" id="{62F939B6-93AF-4DB8-9C6B-D6C7DFDC589F}" vid="{4A3C46E8-61CC-4603-A589-7422A47A8E4A}"/>
     </a:ext>
   </a:extLst>
 </a:theme>
